--- a/Images/images.pptx
+++ b/Images/images.pptx
@@ -201,7 +201,7 @@
           <a:p>
             <a:fld id="{345D69B4-D046-48EA-AF76-DEB8D4CA50A7}" type="datetimeFigureOut">
               <a:rPr lang="zh-CN" altLang="en-US" smtClean="0"/>
-              <a:t>2024/7/23</a:t>
+              <a:t>2024/7/24</a:t>
             </a:fld>
             <a:endParaRPr lang="zh-CN" altLang="en-US"/>
           </a:p>
@@ -699,7 +699,7 @@
           <a:p>
             <a:fld id="{560DCAC3-BD00-4D63-BFCE-98EE12B63920}" type="datetimeFigureOut">
               <a:rPr lang="zh-CN" altLang="en-US" smtClean="0"/>
-              <a:t>2024/7/23</a:t>
+              <a:t>2024/7/24</a:t>
             </a:fld>
             <a:endParaRPr lang="zh-CN" altLang="en-US"/>
           </a:p>
@@ -897,7 +897,7 @@
           <a:p>
             <a:fld id="{560DCAC3-BD00-4D63-BFCE-98EE12B63920}" type="datetimeFigureOut">
               <a:rPr lang="zh-CN" altLang="en-US" smtClean="0"/>
-              <a:t>2024/7/23</a:t>
+              <a:t>2024/7/24</a:t>
             </a:fld>
             <a:endParaRPr lang="zh-CN" altLang="en-US"/>
           </a:p>
@@ -1105,7 +1105,7 @@
           <a:p>
             <a:fld id="{560DCAC3-BD00-4D63-BFCE-98EE12B63920}" type="datetimeFigureOut">
               <a:rPr lang="zh-CN" altLang="en-US" smtClean="0"/>
-              <a:t>2024/7/23</a:t>
+              <a:t>2024/7/24</a:t>
             </a:fld>
             <a:endParaRPr lang="zh-CN" altLang="en-US"/>
           </a:p>
@@ -1303,7 +1303,7 @@
           <a:p>
             <a:fld id="{560DCAC3-BD00-4D63-BFCE-98EE12B63920}" type="datetimeFigureOut">
               <a:rPr lang="zh-CN" altLang="en-US" smtClean="0"/>
-              <a:t>2024/7/23</a:t>
+              <a:t>2024/7/24</a:t>
             </a:fld>
             <a:endParaRPr lang="zh-CN" altLang="en-US"/>
           </a:p>
@@ -1578,7 +1578,7 @@
           <a:p>
             <a:fld id="{560DCAC3-BD00-4D63-BFCE-98EE12B63920}" type="datetimeFigureOut">
               <a:rPr lang="zh-CN" altLang="en-US" smtClean="0"/>
-              <a:t>2024/7/23</a:t>
+              <a:t>2024/7/24</a:t>
             </a:fld>
             <a:endParaRPr lang="zh-CN" altLang="en-US"/>
           </a:p>
@@ -1843,7 +1843,7 @@
           <a:p>
             <a:fld id="{560DCAC3-BD00-4D63-BFCE-98EE12B63920}" type="datetimeFigureOut">
               <a:rPr lang="zh-CN" altLang="en-US" smtClean="0"/>
-              <a:t>2024/7/23</a:t>
+              <a:t>2024/7/24</a:t>
             </a:fld>
             <a:endParaRPr lang="zh-CN" altLang="en-US"/>
           </a:p>
@@ -2255,7 +2255,7 @@
           <a:p>
             <a:fld id="{560DCAC3-BD00-4D63-BFCE-98EE12B63920}" type="datetimeFigureOut">
               <a:rPr lang="zh-CN" altLang="en-US" smtClean="0"/>
-              <a:t>2024/7/23</a:t>
+              <a:t>2024/7/24</a:t>
             </a:fld>
             <a:endParaRPr lang="zh-CN" altLang="en-US"/>
           </a:p>
@@ -2396,7 +2396,7 @@
           <a:p>
             <a:fld id="{560DCAC3-BD00-4D63-BFCE-98EE12B63920}" type="datetimeFigureOut">
               <a:rPr lang="zh-CN" altLang="en-US" smtClean="0"/>
-              <a:t>2024/7/23</a:t>
+              <a:t>2024/7/24</a:t>
             </a:fld>
             <a:endParaRPr lang="zh-CN" altLang="en-US"/>
           </a:p>
@@ -2509,7 +2509,7 @@
           <a:p>
             <a:fld id="{560DCAC3-BD00-4D63-BFCE-98EE12B63920}" type="datetimeFigureOut">
               <a:rPr lang="zh-CN" altLang="en-US" smtClean="0"/>
-              <a:t>2024/7/23</a:t>
+              <a:t>2024/7/24</a:t>
             </a:fld>
             <a:endParaRPr lang="zh-CN" altLang="en-US"/>
           </a:p>
@@ -2820,7 +2820,7 @@
           <a:p>
             <a:fld id="{560DCAC3-BD00-4D63-BFCE-98EE12B63920}" type="datetimeFigureOut">
               <a:rPr lang="zh-CN" altLang="en-US" smtClean="0"/>
-              <a:t>2024/7/23</a:t>
+              <a:t>2024/7/24</a:t>
             </a:fld>
             <a:endParaRPr lang="zh-CN" altLang="en-US"/>
           </a:p>
@@ -3108,7 +3108,7 @@
           <a:p>
             <a:fld id="{560DCAC3-BD00-4D63-BFCE-98EE12B63920}" type="datetimeFigureOut">
               <a:rPr lang="zh-CN" altLang="en-US" smtClean="0"/>
-              <a:t>2024/7/23</a:t>
+              <a:t>2024/7/24</a:t>
             </a:fld>
             <a:endParaRPr lang="zh-CN" altLang="en-US"/>
           </a:p>
@@ -3349,7 +3349,7 @@
           <a:p>
             <a:fld id="{560DCAC3-BD00-4D63-BFCE-98EE12B63920}" type="datetimeFigureOut">
               <a:rPr lang="zh-CN" altLang="en-US" smtClean="0"/>
-              <a:t>2024/7/23</a:t>
+              <a:t>2024/7/24</a:t>
             </a:fld>
             <a:endParaRPr lang="zh-CN" altLang="en-US"/>
           </a:p>
@@ -23271,13 +23271,6 @@
               </a:solidFill>
               <a:prstDash val="sysDash"/>
             </a:ln>
-            <a:scene3d>
-              <a:camera prst="orthographicFront"/>
-              <a:lightRig rig="threePt" dir="t"/>
-            </a:scene3d>
-            <a:sp3d>
-              <a:bevelT/>
-            </a:sp3d>
           </p:spPr>
           <p:style>
             <a:lnRef idx="2">
@@ -23582,8 +23575,8 @@
           </a:fontRef>
         </p:style>
       </p:cxnSp>
-      <mc:AlternateContent xmlns:mc="http://schemas.openxmlformats.org/markup-compatibility/2006">
-        <mc:Choice xmlns:a14="http://schemas.microsoft.com/office/drawing/2010/main" Requires="a14">
+      <mc:AlternateContent xmlns:mc="http://schemas.openxmlformats.org/markup-compatibility/2006" xmlns:a14="http://schemas.microsoft.com/office/drawing/2010/main">
+        <mc:Choice Requires="a14">
           <p:sp>
             <p:nvSpPr>
               <p:cNvPr id="316" name="文本框 315">
@@ -23653,7 +23646,7 @@
             </p:txBody>
           </p:sp>
         </mc:Choice>
-        <mc:Fallback>
+        <mc:Fallback xmlns="">
           <p:sp>
             <p:nvSpPr>
               <p:cNvPr id="316" name="文本框 315">
@@ -23913,6 +23906,70 @@
               <a:latin typeface="Times New Roman" panose="02020603050405020304" pitchFamily="18" charset="0"/>
               <a:cs typeface="Times New Roman" panose="02020603050405020304" pitchFamily="18" charset="0"/>
             </a:endParaRPr>
+          </a:p>
+        </p:txBody>
+      </p:sp>
+      <p:sp>
+        <p:nvSpPr>
+          <p:cNvPr id="69" name="矩形: 圆角 113">
+            <a:extLst>
+              <a:ext uri="{FF2B5EF4-FFF2-40B4-BE49-F238E27FC236}">
+                <a16:creationId xmlns:a16="http://schemas.microsoft.com/office/drawing/2014/main" id="{C19FCACC-DE70-6F27-5531-2EB6602C05DA}"/>
+              </a:ext>
+            </a:extLst>
+          </p:cNvPr>
+          <p:cNvSpPr/>
+          <p:nvPr/>
+        </p:nvSpPr>
+        <p:spPr>
+          <a:xfrm>
+            <a:off x="9375305" y="4026406"/>
+            <a:ext cx="2562693" cy="559932"/>
+          </a:xfrm>
+          <a:prstGeom prst="roundRect">
+            <a:avLst>
+              <a:gd name="adj" fmla="val 13839"/>
+            </a:avLst>
+          </a:prstGeom>
+          <a:noFill/>
+          <a:ln w="19050">
+            <a:solidFill>
+              <a:srgbClr val="C00000"/>
+            </a:solidFill>
+            <a:prstDash val="sysDash"/>
+          </a:ln>
+        </p:spPr>
+        <p:style>
+          <a:lnRef idx="2">
+            <a:schemeClr val="accent1">
+              <a:shade val="50000"/>
+            </a:schemeClr>
+          </a:lnRef>
+          <a:fillRef idx="1">
+            <a:schemeClr val="accent1"/>
+          </a:fillRef>
+          <a:effectRef idx="0">
+            <a:schemeClr val="accent1"/>
+          </a:effectRef>
+          <a:fontRef idx="minor">
+            <a:schemeClr val="lt1"/>
+          </a:fontRef>
+        </p:style>
+        <p:txBody>
+          <a:bodyPr rtlCol="0" anchor="ctr"/>
+          <a:lstStyle/>
+          <a:p>
+            <a:pPr algn="ctr"/>
+            <a:r>
+              <a:rPr lang="en-US" altLang="zh-CN" sz="1400" b="1" dirty="0">
+                <a:solidFill>
+                  <a:schemeClr val="tx1"/>
+                </a:solidFill>
+                <a:latin typeface="Consolas" panose="020B0609020204030204" pitchFamily="49" charset="0"/>
+                <a:cs typeface="Times New Roman" panose="02020603050405020304" pitchFamily="18" charset="0"/>
+              </a:rPr>
+              <a:t>There are learnable params</a:t>
+            </a:r>
           </a:p>
         </p:txBody>
       </p:sp>

--- a/Images/images.pptx
+++ b/Images/images.pptx
@@ -19832,55 +19832,6 @@
           <a:chExt cx="0" cy="0"/>
         </a:xfrm>
       </p:grpSpPr>
-      <p:cxnSp>
-        <p:nvCxnSpPr>
-          <p:cNvPr id="111" name="连接符: 肘形 110">
-            <a:extLst>
-              <a:ext uri="{FF2B5EF4-FFF2-40B4-BE49-F238E27FC236}">
-                <a16:creationId xmlns:a16="http://schemas.microsoft.com/office/drawing/2014/main" id="{2110F768-1704-59E7-94F7-38B026C7A544}"/>
-              </a:ext>
-            </a:extLst>
-          </p:cNvPr>
-          <p:cNvCxnSpPr>
-            <a:cxnSpLocks/>
-            <a:stCxn id="55" idx="2"/>
-            <a:endCxn id="68" idx="2"/>
-          </p:cNvCxnSpPr>
-          <p:nvPr/>
-        </p:nvCxnSpPr>
-        <p:spPr>
-          <a:xfrm rot="16200000" flipH="1">
-            <a:off x="3775136" y="3530712"/>
-            <a:ext cx="591711" cy="4564363"/>
-          </a:xfrm>
-          <a:prstGeom prst="bentConnector3">
-            <a:avLst>
-              <a:gd name="adj1" fmla="val 218048"/>
-            </a:avLst>
-          </a:prstGeom>
-          <a:ln w="15875" cap="sq">
-            <a:solidFill>
-              <a:schemeClr val="tx1"/>
-            </a:solidFill>
-            <a:bevel/>
-            <a:tailEnd type="triangle" w="lg" len="lg"/>
-          </a:ln>
-        </p:spPr>
-        <p:style>
-          <a:lnRef idx="1">
-            <a:schemeClr val="accent1"/>
-          </a:lnRef>
-          <a:fillRef idx="0">
-            <a:schemeClr val="accent1"/>
-          </a:fillRef>
-          <a:effectRef idx="0">
-            <a:schemeClr val="accent1"/>
-          </a:effectRef>
-          <a:fontRef idx="minor">
-            <a:schemeClr val="tx1"/>
-          </a:fontRef>
-        </p:style>
-      </p:cxnSp>
       <p:sp>
         <p:nvSpPr>
           <p:cNvPr id="5" name="文本框 4">
@@ -19935,1408 +19886,6 @@
           </a:p>
         </p:txBody>
       </p:sp>
-      <p:grpSp>
-        <p:nvGrpSpPr>
-          <p:cNvPr id="307" name="组合 306">
-            <a:extLst>
-              <a:ext uri="{FF2B5EF4-FFF2-40B4-BE49-F238E27FC236}">
-                <a16:creationId xmlns:a16="http://schemas.microsoft.com/office/drawing/2014/main" id="{D2219026-D323-C21C-07F8-F83E9AAF9B99}"/>
-              </a:ext>
-            </a:extLst>
-          </p:cNvPr>
-          <p:cNvGrpSpPr/>
-          <p:nvPr/>
-        </p:nvGrpSpPr>
-        <p:grpSpPr>
-          <a:xfrm>
-            <a:off x="131607" y="651277"/>
-            <a:ext cx="3314408" cy="4884939"/>
-            <a:chOff x="131607" y="651277"/>
-            <a:chExt cx="3314408" cy="4884939"/>
-          </a:xfrm>
-        </p:grpSpPr>
-        <p:grpSp>
-          <p:nvGrpSpPr>
-            <p:cNvPr id="60" name="组合 59">
-              <a:extLst>
-                <a:ext uri="{FF2B5EF4-FFF2-40B4-BE49-F238E27FC236}">
-                  <a16:creationId xmlns:a16="http://schemas.microsoft.com/office/drawing/2014/main" id="{EBB803A7-03B3-F58C-CD4E-D4A36A7699A9}"/>
-                </a:ext>
-              </a:extLst>
-            </p:cNvPr>
-            <p:cNvGrpSpPr/>
-            <p:nvPr/>
-          </p:nvGrpSpPr>
-          <p:grpSpPr>
-            <a:xfrm>
-              <a:off x="131607" y="5136106"/>
-              <a:ext cx="3314408" cy="400110"/>
-              <a:chOff x="762292" y="5288976"/>
-              <a:chExt cx="3314408" cy="400110"/>
-            </a:xfrm>
-          </p:grpSpPr>
-          <p:sp>
-            <p:nvSpPr>
-              <p:cNvPr id="54" name="矩形: 剪去左右顶角 53">
-                <a:extLst>
-                  <a:ext uri="{FF2B5EF4-FFF2-40B4-BE49-F238E27FC236}">
-                    <a16:creationId xmlns:a16="http://schemas.microsoft.com/office/drawing/2014/main" id="{7D322658-BB9C-8276-E874-A8546000B75C}"/>
-                  </a:ext>
-                </a:extLst>
-              </p:cNvPr>
-              <p:cNvSpPr/>
-              <p:nvPr/>
-            </p:nvSpPr>
-            <p:spPr>
-              <a:xfrm rot="10800000">
-                <a:off x="762292" y="5288976"/>
-                <a:ext cx="3314408" cy="400110"/>
-              </a:xfrm>
-              <a:prstGeom prst="snip2SameRect">
-                <a:avLst/>
-              </a:prstGeom>
-              <a:solidFill>
-                <a:schemeClr val="tx2">
-                  <a:lumMod val="20000"/>
-                  <a:lumOff val="80000"/>
-                </a:schemeClr>
-              </a:solidFill>
-              <a:ln w="19050">
-                <a:solidFill>
-                  <a:schemeClr val="accent1">
-                    <a:lumMod val="50000"/>
-                  </a:schemeClr>
-                </a:solidFill>
-              </a:ln>
-            </p:spPr>
-            <p:style>
-              <a:lnRef idx="2">
-                <a:schemeClr val="accent1">
-                  <a:shade val="50000"/>
-                </a:schemeClr>
-              </a:lnRef>
-              <a:fillRef idx="1">
-                <a:schemeClr val="accent1"/>
-              </a:fillRef>
-              <a:effectRef idx="0">
-                <a:schemeClr val="accent1"/>
-              </a:effectRef>
-              <a:fontRef idx="minor">
-                <a:schemeClr val="lt1"/>
-              </a:fontRef>
-            </p:style>
-            <p:txBody>
-              <a:bodyPr rtlCol="0" anchor="ctr"/>
-              <a:lstStyle/>
-              <a:p>
-                <a:pPr algn="ctr"/>
-                <a:endParaRPr lang="zh-CN" altLang="en-US" b="1" dirty="0"/>
-              </a:p>
-            </p:txBody>
-          </p:sp>
-          <p:sp>
-            <p:nvSpPr>
-              <p:cNvPr id="55" name="文本框 54">
-                <a:extLst>
-                  <a:ext uri="{FF2B5EF4-FFF2-40B4-BE49-F238E27FC236}">
-                    <a16:creationId xmlns:a16="http://schemas.microsoft.com/office/drawing/2014/main" id="{1BDD6479-AE79-238A-6059-703611B22352}"/>
-                  </a:ext>
-                </a:extLst>
-              </p:cNvPr>
-              <p:cNvSpPr txBox="1"/>
-              <p:nvPr/>
-            </p:nvSpPr>
-            <p:spPr>
-              <a:xfrm>
-                <a:off x="1345361" y="5300577"/>
-                <a:ext cx="2148268" cy="369332"/>
-              </a:xfrm>
-              <a:prstGeom prst="rect">
-                <a:avLst/>
-              </a:prstGeom>
-              <a:noFill/>
-            </p:spPr>
-            <p:txBody>
-              <a:bodyPr wrap="square" rtlCol="0">
-                <a:spAutoFit/>
-              </a:bodyPr>
-              <a:lstStyle/>
-              <a:p>
-                <a:pPr algn="ctr"/>
-                <a:r>
-                  <a:rPr lang="en-US" altLang="zh-CN" b="1" dirty="0">
-                    <a:latin typeface="Consolas" panose="020B0609020204030204" pitchFamily="49" charset="0"/>
-                  </a:rPr>
-                  <a:t>Dropout()</a:t>
-                </a:r>
-                <a:endParaRPr lang="zh-CN" altLang="en-US" b="1" dirty="0">
-                  <a:latin typeface="Consolas" panose="020B0609020204030204" pitchFamily="49" charset="0"/>
-                </a:endParaRPr>
-              </a:p>
-            </p:txBody>
-          </p:sp>
-        </p:grpSp>
-        <p:sp>
-          <p:nvSpPr>
-            <p:cNvPr id="6" name="矩形: 圆角 113">
-              <a:extLst>
-                <a:ext uri="{FF2B5EF4-FFF2-40B4-BE49-F238E27FC236}">
-                  <a16:creationId xmlns:a16="http://schemas.microsoft.com/office/drawing/2014/main" id="{2CBE0190-FCB5-EEC9-F601-1432FC023A2B}"/>
-                </a:ext>
-              </a:extLst>
-            </p:cNvPr>
-            <p:cNvSpPr/>
-            <p:nvPr/>
-          </p:nvSpPr>
-          <p:spPr>
-            <a:xfrm>
-              <a:off x="750440" y="1523933"/>
-              <a:ext cx="2695575" cy="2552767"/>
-            </a:xfrm>
-            <a:prstGeom prst="roundRect">
-              <a:avLst>
-                <a:gd name="adj" fmla="val 3765"/>
-              </a:avLst>
-            </a:prstGeom>
-            <a:gradFill flip="none" rotWithShape="1">
-              <a:gsLst>
-                <a:gs pos="38060">
-                  <a:srgbClr val="CFE1F2"/>
-                </a:gs>
-                <a:gs pos="0">
-                  <a:schemeClr val="accent1">
-                    <a:lumMod val="5000"/>
-                    <a:lumOff val="95000"/>
-                  </a:schemeClr>
-                </a:gs>
-                <a:gs pos="82000">
-                  <a:schemeClr val="accent5">
-                    <a:lumMod val="40000"/>
-                    <a:lumOff val="60000"/>
-                  </a:schemeClr>
-                </a:gs>
-                <a:gs pos="100000">
-                  <a:schemeClr val="accent5">
-                    <a:lumMod val="60000"/>
-                    <a:lumOff val="40000"/>
-                  </a:schemeClr>
-                </a:gs>
-              </a:gsLst>
-              <a:lin ang="2700000" scaled="1"/>
-              <a:tileRect/>
-            </a:gradFill>
-            <a:ln w="19050">
-              <a:solidFill>
-                <a:schemeClr val="accent5">
-                  <a:lumMod val="50000"/>
-                </a:schemeClr>
-              </a:solidFill>
-            </a:ln>
-            <a:scene3d>
-              <a:camera prst="orthographicFront"/>
-              <a:lightRig rig="threePt" dir="t"/>
-            </a:scene3d>
-            <a:sp3d>
-              <a:bevelT/>
-            </a:sp3d>
-          </p:spPr>
-          <p:style>
-            <a:lnRef idx="2">
-              <a:schemeClr val="accent1">
-                <a:shade val="50000"/>
-              </a:schemeClr>
-            </a:lnRef>
-            <a:fillRef idx="1">
-              <a:schemeClr val="accent1"/>
-            </a:fillRef>
-            <a:effectRef idx="0">
-              <a:schemeClr val="accent1"/>
-            </a:effectRef>
-            <a:fontRef idx="minor">
-              <a:schemeClr val="lt1"/>
-            </a:fontRef>
-          </p:style>
-          <p:txBody>
-            <a:bodyPr rtlCol="0" anchor="t"/>
-            <a:lstStyle/>
-            <a:p>
-              <a:pPr algn="ctr"/>
-              <a:r>
-                <a:rPr lang="en-US" altLang="zh-CN" b="1" dirty="0">
-                  <a:solidFill>
-                    <a:schemeClr val="tx1"/>
-                  </a:solidFill>
-                  <a:latin typeface="Times New Roman" panose="02020603050405020304" pitchFamily="18" charset="0"/>
-                  <a:cs typeface="Times New Roman" panose="02020603050405020304" pitchFamily="18" charset="0"/>
-                </a:rPr>
-                <a:t>Linear Projection</a:t>
-              </a:r>
-            </a:p>
-          </p:txBody>
-        </p:sp>
-        <p:sp>
-          <p:nvSpPr>
-            <p:cNvPr id="7" name="矩形: 圆角 113">
-              <a:extLst>
-                <a:ext uri="{FF2B5EF4-FFF2-40B4-BE49-F238E27FC236}">
-                  <a16:creationId xmlns:a16="http://schemas.microsoft.com/office/drawing/2014/main" id="{9F53A02E-53E5-65D2-C2E3-20806C9871AC}"/>
-                </a:ext>
-              </a:extLst>
-            </p:cNvPr>
-            <p:cNvSpPr/>
-            <p:nvPr/>
-          </p:nvSpPr>
-          <p:spPr>
-            <a:xfrm>
-              <a:off x="902839" y="2205172"/>
-              <a:ext cx="2400297" cy="419669"/>
-            </a:xfrm>
-            <a:prstGeom prst="roundRect">
-              <a:avLst>
-                <a:gd name="adj" fmla="val 13839"/>
-              </a:avLst>
-            </a:prstGeom>
-            <a:solidFill>
-              <a:schemeClr val="accent5">
-                <a:lumMod val="20000"/>
-                <a:lumOff val="80000"/>
-              </a:schemeClr>
-            </a:solidFill>
-            <a:ln w="19050">
-              <a:solidFill>
-                <a:srgbClr val="C00000"/>
-              </a:solidFill>
-              <a:prstDash val="sysDash"/>
-            </a:ln>
-          </p:spPr>
-          <p:style>
-            <a:lnRef idx="2">
-              <a:schemeClr val="accent1">
-                <a:shade val="50000"/>
-              </a:schemeClr>
-            </a:lnRef>
-            <a:fillRef idx="1">
-              <a:schemeClr val="accent1"/>
-            </a:fillRef>
-            <a:effectRef idx="0">
-              <a:schemeClr val="accent1"/>
-            </a:effectRef>
-            <a:fontRef idx="minor">
-              <a:schemeClr val="lt1"/>
-            </a:fontRef>
-          </p:style>
-          <p:txBody>
-            <a:bodyPr rtlCol="0" anchor="ctr"/>
-            <a:lstStyle/>
-            <a:p>
-              <a:pPr algn="ctr"/>
-              <a:r>
-                <a:rPr lang="en-US" altLang="zh-CN" sz="1400" b="1" dirty="0" err="1">
-                  <a:solidFill>
-                    <a:schemeClr val="tx1"/>
-                  </a:solidFill>
-                  <a:latin typeface="Consolas" panose="020B0609020204030204" pitchFamily="49" charset="0"/>
-                  <a:cs typeface="Times New Roman" panose="02020603050405020304" pitchFamily="18" charset="0"/>
-                </a:rPr>
-                <a:t>LayerNorm</a:t>
-              </a:r>
-              <a:r>
-                <a:rPr lang="en-US" altLang="zh-CN" sz="1400" b="1" dirty="0">
-                  <a:solidFill>
-                    <a:schemeClr val="tx1"/>
-                  </a:solidFill>
-                  <a:latin typeface="Consolas" panose="020B0609020204030204" pitchFamily="49" charset="0"/>
-                  <a:cs typeface="Times New Roman" panose="02020603050405020304" pitchFamily="18" charset="0"/>
-                </a:rPr>
-                <a:t>(</a:t>
-              </a:r>
-              <a:r>
-                <a:rPr lang="en-US" altLang="zh-CN" sz="1400" b="1" dirty="0" err="1">
-                  <a:solidFill>
-                    <a:schemeClr val="tx1"/>
-                  </a:solidFill>
-                  <a:latin typeface="Consolas" panose="020B0609020204030204" pitchFamily="49" charset="0"/>
-                  <a:cs typeface="Times New Roman" panose="02020603050405020304" pitchFamily="18" charset="0"/>
-                </a:rPr>
-                <a:t>input_size</a:t>
-              </a:r>
-              <a:r>
-                <a:rPr lang="en-US" altLang="zh-CN" sz="1400" b="1" dirty="0">
-                  <a:solidFill>
-                    <a:schemeClr val="tx1"/>
-                  </a:solidFill>
-                  <a:latin typeface="Consolas" panose="020B0609020204030204" pitchFamily="49" charset="0"/>
-                  <a:cs typeface="Times New Roman" panose="02020603050405020304" pitchFamily="18" charset="0"/>
-                </a:rPr>
-                <a:t>)</a:t>
-              </a:r>
-            </a:p>
-          </p:txBody>
-        </p:sp>
-        <p:sp>
-          <p:nvSpPr>
-            <p:cNvPr id="9" name="矩形: 圆角 113">
-              <a:extLst>
-                <a:ext uri="{FF2B5EF4-FFF2-40B4-BE49-F238E27FC236}">
-                  <a16:creationId xmlns:a16="http://schemas.microsoft.com/office/drawing/2014/main" id="{2AA64814-097D-7884-D1A9-D49A12B60D0B}"/>
-                </a:ext>
-              </a:extLst>
-            </p:cNvPr>
-            <p:cNvSpPr/>
-            <p:nvPr/>
-          </p:nvSpPr>
-          <p:spPr>
-            <a:xfrm>
-              <a:off x="902838" y="2847556"/>
-              <a:ext cx="2400298" cy="419669"/>
-            </a:xfrm>
-            <a:prstGeom prst="roundRect">
-              <a:avLst>
-                <a:gd name="adj" fmla="val 13839"/>
-              </a:avLst>
-            </a:prstGeom>
-            <a:solidFill>
-              <a:schemeClr val="accent5">
-                <a:lumMod val="20000"/>
-                <a:lumOff val="80000"/>
-              </a:schemeClr>
-            </a:solidFill>
-            <a:ln w="19050">
-              <a:solidFill>
-                <a:srgbClr val="C00000"/>
-              </a:solidFill>
-              <a:prstDash val="sysDash"/>
-            </a:ln>
-          </p:spPr>
-          <p:style>
-            <a:lnRef idx="2">
-              <a:schemeClr val="accent1">
-                <a:shade val="50000"/>
-              </a:schemeClr>
-            </a:lnRef>
-            <a:fillRef idx="1">
-              <a:schemeClr val="accent1"/>
-            </a:fillRef>
-            <a:effectRef idx="0">
-              <a:schemeClr val="accent1"/>
-            </a:effectRef>
-            <a:fontRef idx="minor">
-              <a:schemeClr val="lt1"/>
-            </a:fontRef>
-          </p:style>
-          <p:txBody>
-            <a:bodyPr rtlCol="0" anchor="ctr"/>
-            <a:lstStyle/>
-            <a:p>
-              <a:pPr algn="ctr"/>
-              <a:r>
-                <a:rPr lang="en-US" altLang="zh-CN" sz="1400" b="1" dirty="0">
-                  <a:solidFill>
-                    <a:schemeClr val="tx1"/>
-                  </a:solidFill>
-                  <a:latin typeface="Consolas" panose="020B0609020204030204" pitchFamily="49" charset="0"/>
-                  <a:cs typeface="Times New Roman" panose="02020603050405020304" pitchFamily="18" charset="0"/>
-                </a:rPr>
-                <a:t>Linear(</a:t>
-              </a:r>
-              <a:r>
-                <a:rPr lang="en-US" altLang="zh-CN" sz="1400" b="1" dirty="0" err="1">
-                  <a:solidFill>
-                    <a:schemeClr val="tx1"/>
-                  </a:solidFill>
-                  <a:latin typeface="Consolas" panose="020B0609020204030204" pitchFamily="49" charset="0"/>
-                  <a:cs typeface="Times New Roman" panose="02020603050405020304" pitchFamily="18" charset="0"/>
-                </a:rPr>
-                <a:t>input_size</a:t>
-              </a:r>
-              <a:r>
-                <a:rPr lang="en-US" altLang="zh-CN" sz="1400" b="1" dirty="0">
-                  <a:solidFill>
-                    <a:schemeClr val="tx1"/>
-                  </a:solidFill>
-                  <a:latin typeface="Consolas" panose="020B0609020204030204" pitchFamily="49" charset="0"/>
-                  <a:cs typeface="Times New Roman" panose="02020603050405020304" pitchFamily="18" charset="0"/>
-                </a:rPr>
-                <a:t>, dim)</a:t>
-              </a:r>
-            </a:p>
-          </p:txBody>
-        </p:sp>
-        <p:grpSp>
-          <p:nvGrpSpPr>
-            <p:cNvPr id="10" name="组合 9">
-              <a:extLst>
-                <a:ext uri="{FF2B5EF4-FFF2-40B4-BE49-F238E27FC236}">
-                  <a16:creationId xmlns:a16="http://schemas.microsoft.com/office/drawing/2014/main" id="{91000B7D-7B9D-891A-8649-624AA4A17A9D}"/>
-                </a:ext>
-              </a:extLst>
-            </p:cNvPr>
-            <p:cNvGrpSpPr/>
-            <p:nvPr/>
-          </p:nvGrpSpPr>
-          <p:grpSpPr>
-            <a:xfrm>
-              <a:off x="865409" y="651277"/>
-              <a:ext cx="2465636" cy="673519"/>
-              <a:chOff x="3448050" y="4562475"/>
-              <a:chExt cx="1712250" cy="1009650"/>
-            </a:xfrm>
-          </p:grpSpPr>
-          <p:sp>
-            <p:nvSpPr>
-              <p:cNvPr id="11" name="矩形: 圆角 10">
-                <a:extLst>
-                  <a:ext uri="{FF2B5EF4-FFF2-40B4-BE49-F238E27FC236}">
-                    <a16:creationId xmlns:a16="http://schemas.microsoft.com/office/drawing/2014/main" id="{1D5067F1-3D8C-A1AC-2A6C-194F238767DB}"/>
-                  </a:ext>
-                </a:extLst>
-              </p:cNvPr>
-              <p:cNvSpPr/>
-              <p:nvPr/>
-            </p:nvSpPr>
-            <p:spPr>
-              <a:xfrm>
-                <a:off x="3448050" y="4562475"/>
-                <a:ext cx="285750" cy="1009650"/>
-              </a:xfrm>
-              <a:prstGeom prst="roundRect">
-                <a:avLst>
-                  <a:gd name="adj" fmla="val 50000"/>
-                </a:avLst>
-              </a:prstGeom>
-              <a:gradFill>
-                <a:gsLst>
-                  <a:gs pos="37000">
-                    <a:schemeClr val="accent6">
-                      <a:lumMod val="20000"/>
-                      <a:lumOff val="80000"/>
-                    </a:schemeClr>
-                  </a:gs>
-                  <a:gs pos="0">
-                    <a:schemeClr val="accent1">
-                      <a:lumMod val="5000"/>
-                      <a:lumOff val="95000"/>
-                    </a:schemeClr>
-                  </a:gs>
-                  <a:gs pos="100000">
-                    <a:schemeClr val="accent6">
-                      <a:lumMod val="40000"/>
-                      <a:lumOff val="60000"/>
-                    </a:schemeClr>
-                  </a:gs>
-                </a:gsLst>
-                <a:lin ang="5400000" scaled="1"/>
-              </a:gradFill>
-              <a:ln w="15875">
-                <a:solidFill>
-                  <a:schemeClr val="accent6">
-                    <a:lumMod val="50000"/>
-                  </a:schemeClr>
-                </a:solidFill>
-              </a:ln>
-              <a:effectLst>
-                <a:outerShdw blurRad="50800" dist="38100" dir="5400000" algn="t" rotWithShape="0">
-                  <a:prstClr val="black">
-                    <a:alpha val="40000"/>
-                  </a:prstClr>
-                </a:outerShdw>
-              </a:effectLst>
-            </p:spPr>
-            <p:style>
-              <a:lnRef idx="2">
-                <a:schemeClr val="accent1">
-                  <a:shade val="50000"/>
-                </a:schemeClr>
-              </a:lnRef>
-              <a:fillRef idx="1">
-                <a:schemeClr val="accent1"/>
-              </a:fillRef>
-              <a:effectRef idx="0">
-                <a:schemeClr val="accent1"/>
-              </a:effectRef>
-              <a:fontRef idx="minor">
-                <a:schemeClr val="lt1"/>
-              </a:fontRef>
-            </p:style>
-            <p:txBody>
-              <a:bodyPr rtlCol="0" anchor="ctr"/>
-              <a:lstStyle/>
-              <a:p>
-                <a:pPr algn="ctr"/>
-                <a:r>
-                  <a:rPr lang="en-US" altLang="zh-CN" b="1" dirty="0">
-                    <a:solidFill>
-                      <a:schemeClr val="tx1"/>
-                    </a:solidFill>
-                    <a:latin typeface="Times New Roman" panose="02020603050405020304" pitchFamily="18" charset="0"/>
-                    <a:cs typeface="Times New Roman" panose="02020603050405020304" pitchFamily="18" charset="0"/>
-                  </a:rPr>
-                  <a:t>S</a:t>
-                </a:r>
-              </a:p>
-              <a:p>
-                <a:pPr algn="ctr"/>
-                <a:r>
-                  <a:rPr lang="en-US" altLang="zh-CN" b="1" i="1" dirty="0">
-                    <a:solidFill>
-                      <a:schemeClr val="tx1"/>
-                    </a:solidFill>
-                    <a:latin typeface="Times New Roman" panose="02020603050405020304" pitchFamily="18" charset="0"/>
-                    <a:cs typeface="Times New Roman" panose="02020603050405020304" pitchFamily="18" charset="0"/>
-                  </a:rPr>
-                  <a:t>1</a:t>
-                </a:r>
-                <a:endParaRPr lang="zh-CN" altLang="en-US" b="1" i="1" dirty="0">
-                  <a:solidFill>
-                    <a:schemeClr val="tx1"/>
-                  </a:solidFill>
-                  <a:latin typeface="Times New Roman" panose="02020603050405020304" pitchFamily="18" charset="0"/>
-                  <a:cs typeface="Times New Roman" panose="02020603050405020304" pitchFamily="18" charset="0"/>
-                </a:endParaRPr>
-              </a:p>
-            </p:txBody>
-          </p:sp>
-          <p:sp>
-            <p:nvSpPr>
-              <p:cNvPr id="15" name="矩形: 圆角 14">
-                <a:extLst>
-                  <a:ext uri="{FF2B5EF4-FFF2-40B4-BE49-F238E27FC236}">
-                    <a16:creationId xmlns:a16="http://schemas.microsoft.com/office/drawing/2014/main" id="{3B0A42D8-B4D6-81BF-ECE6-47352A38D35C}"/>
-                  </a:ext>
-                </a:extLst>
-              </p:cNvPr>
-              <p:cNvSpPr/>
-              <p:nvPr/>
-            </p:nvSpPr>
-            <p:spPr>
-              <a:xfrm>
-                <a:off x="4874550" y="4562475"/>
-                <a:ext cx="285750" cy="1009650"/>
-              </a:xfrm>
-              <a:prstGeom prst="roundRect">
-                <a:avLst>
-                  <a:gd name="adj" fmla="val 50000"/>
-                </a:avLst>
-              </a:prstGeom>
-              <a:gradFill>
-                <a:gsLst>
-                  <a:gs pos="37000">
-                    <a:schemeClr val="accent6">
-                      <a:lumMod val="20000"/>
-                      <a:lumOff val="80000"/>
-                    </a:schemeClr>
-                  </a:gs>
-                  <a:gs pos="0">
-                    <a:schemeClr val="accent1">
-                      <a:lumMod val="5000"/>
-                      <a:lumOff val="95000"/>
-                    </a:schemeClr>
-                  </a:gs>
-                  <a:gs pos="100000">
-                    <a:schemeClr val="accent6">
-                      <a:lumMod val="40000"/>
-                      <a:lumOff val="60000"/>
-                    </a:schemeClr>
-                  </a:gs>
-                </a:gsLst>
-                <a:lin ang="5400000" scaled="1"/>
-              </a:gradFill>
-              <a:ln w="15875">
-                <a:solidFill>
-                  <a:schemeClr val="accent6">
-                    <a:lumMod val="50000"/>
-                  </a:schemeClr>
-                </a:solidFill>
-              </a:ln>
-              <a:effectLst>
-                <a:outerShdw blurRad="50800" dist="38100" dir="5400000" algn="t" rotWithShape="0">
-                  <a:prstClr val="black">
-                    <a:alpha val="40000"/>
-                  </a:prstClr>
-                </a:outerShdw>
-              </a:effectLst>
-            </p:spPr>
-            <p:style>
-              <a:lnRef idx="2">
-                <a:schemeClr val="accent1">
-                  <a:shade val="50000"/>
-                </a:schemeClr>
-              </a:lnRef>
-              <a:fillRef idx="1">
-                <a:schemeClr val="accent1"/>
-              </a:fillRef>
-              <a:effectRef idx="0">
-                <a:schemeClr val="accent1"/>
-              </a:effectRef>
-              <a:fontRef idx="minor">
-                <a:schemeClr val="lt1"/>
-              </a:fontRef>
-            </p:style>
-            <p:txBody>
-              <a:bodyPr rtlCol="0" anchor="ctr"/>
-              <a:lstStyle/>
-              <a:p>
-                <a:pPr algn="ctr"/>
-                <a:r>
-                  <a:rPr lang="en-US" altLang="zh-CN" b="1" dirty="0">
-                    <a:solidFill>
-                      <a:schemeClr val="tx1"/>
-                    </a:solidFill>
-                    <a:latin typeface="Times New Roman" panose="02020603050405020304" pitchFamily="18" charset="0"/>
-                    <a:cs typeface="Times New Roman" panose="02020603050405020304" pitchFamily="18" charset="0"/>
-                  </a:rPr>
-                  <a:t>S</a:t>
-                </a:r>
-              </a:p>
-              <a:p>
-                <a:pPr algn="ctr"/>
-                <a:r>
-                  <a:rPr lang="en-US" altLang="zh-CN" b="1" i="1" dirty="0">
-                    <a:solidFill>
-                      <a:schemeClr val="tx1"/>
-                    </a:solidFill>
-                    <a:latin typeface="Times New Roman" panose="02020603050405020304" pitchFamily="18" charset="0"/>
-                    <a:cs typeface="Times New Roman" panose="02020603050405020304" pitchFamily="18" charset="0"/>
-                  </a:rPr>
-                  <a:t>n</a:t>
-                </a:r>
-                <a:endParaRPr lang="zh-CN" altLang="en-US" b="1" i="1" dirty="0">
-                  <a:solidFill>
-                    <a:schemeClr val="tx1"/>
-                  </a:solidFill>
-                  <a:latin typeface="Times New Roman" panose="02020603050405020304" pitchFamily="18" charset="0"/>
-                  <a:cs typeface="Times New Roman" panose="02020603050405020304" pitchFamily="18" charset="0"/>
-                </a:endParaRPr>
-              </a:p>
-            </p:txBody>
-          </p:sp>
-          <p:sp>
-            <p:nvSpPr>
-              <p:cNvPr id="16" name="文本框 15">
-                <a:extLst>
-                  <a:ext uri="{FF2B5EF4-FFF2-40B4-BE49-F238E27FC236}">
-                    <a16:creationId xmlns:a16="http://schemas.microsoft.com/office/drawing/2014/main" id="{7EB0B845-3AF1-485D-4C07-6C86B26EC4D1}"/>
-                  </a:ext>
-                </a:extLst>
-              </p:cNvPr>
-              <p:cNvSpPr txBox="1"/>
-              <p:nvPr/>
-            </p:nvSpPr>
-            <p:spPr>
-              <a:xfrm>
-                <a:off x="3794588" y="4767403"/>
-                <a:ext cx="1019175" cy="599792"/>
-              </a:xfrm>
-              <a:prstGeom prst="rect">
-                <a:avLst/>
-              </a:prstGeom>
-              <a:noFill/>
-            </p:spPr>
-            <p:txBody>
-              <a:bodyPr wrap="square" rtlCol="0" anchor="ctr">
-                <a:spAutoFit/>
-              </a:bodyPr>
-              <a:lstStyle/>
-              <a:p>
-                <a:pPr algn="ctr"/>
-                <a:r>
-                  <a:rPr lang="en-US" altLang="zh-CN" sz="2000" b="1" dirty="0">
-                    <a:latin typeface="Times New Roman" panose="02020603050405020304" pitchFamily="18" charset="0"/>
-                    <a:cs typeface="Times New Roman" panose="02020603050405020304" pitchFamily="18" charset="0"/>
-                  </a:rPr>
-                  <a:t>···</a:t>
-                </a:r>
-                <a:endParaRPr lang="zh-CN" altLang="en-US" sz="2000" b="1" dirty="0">
-                  <a:latin typeface="Times New Roman" panose="02020603050405020304" pitchFamily="18" charset="0"/>
-                  <a:cs typeface="Times New Roman" panose="02020603050405020304" pitchFamily="18" charset="0"/>
-                </a:endParaRPr>
-              </a:p>
-            </p:txBody>
-          </p:sp>
-        </p:grpSp>
-        <p:cxnSp>
-          <p:nvCxnSpPr>
-            <p:cNvPr id="17" name="直接箭头连接符 16">
-              <a:extLst>
-                <a:ext uri="{FF2B5EF4-FFF2-40B4-BE49-F238E27FC236}">
-                  <a16:creationId xmlns:a16="http://schemas.microsoft.com/office/drawing/2014/main" id="{EFAACA01-A9EE-90B4-AE5D-9E46700E198E}"/>
-                </a:ext>
-              </a:extLst>
-            </p:cNvPr>
-            <p:cNvCxnSpPr>
-              <a:cxnSpLocks/>
-              <a:stCxn id="16" idx="2"/>
-              <a:endCxn id="6" idx="0"/>
-            </p:cNvCxnSpPr>
-            <p:nvPr/>
-          </p:nvCxnSpPr>
-          <p:spPr>
-            <a:xfrm>
-              <a:off x="2098228" y="1188091"/>
-              <a:ext cx="0" cy="335842"/>
-            </a:xfrm>
-            <a:prstGeom prst="straightConnector1">
-              <a:avLst/>
-            </a:prstGeom>
-            <a:ln w="15875">
-              <a:solidFill>
-                <a:schemeClr val="tx1"/>
-              </a:solidFill>
-              <a:tailEnd type="triangle" w="lg" len="lg"/>
-            </a:ln>
-          </p:spPr>
-          <p:style>
-            <a:lnRef idx="1">
-              <a:schemeClr val="accent1"/>
-            </a:lnRef>
-            <a:fillRef idx="0">
-              <a:schemeClr val="accent1"/>
-            </a:fillRef>
-            <a:effectRef idx="0">
-              <a:schemeClr val="accent1"/>
-            </a:effectRef>
-            <a:fontRef idx="minor">
-              <a:schemeClr val="tx1"/>
-            </a:fontRef>
-          </p:style>
-        </p:cxnSp>
-        <p:cxnSp>
-          <p:nvCxnSpPr>
-            <p:cNvPr id="24" name="直接箭头连接符 23">
-              <a:extLst>
-                <a:ext uri="{FF2B5EF4-FFF2-40B4-BE49-F238E27FC236}">
-                  <a16:creationId xmlns:a16="http://schemas.microsoft.com/office/drawing/2014/main" id="{445C0B95-7D2C-C4EE-9343-7FAA1366CBFB}"/>
-                </a:ext>
-              </a:extLst>
-            </p:cNvPr>
-            <p:cNvCxnSpPr>
-              <a:cxnSpLocks/>
-            </p:cNvCxnSpPr>
-            <p:nvPr/>
-          </p:nvCxnSpPr>
-          <p:spPr>
-            <a:xfrm>
-              <a:off x="2098227" y="1895475"/>
-              <a:ext cx="4761" cy="309697"/>
-            </a:xfrm>
-            <a:prstGeom prst="straightConnector1">
-              <a:avLst/>
-            </a:prstGeom>
-            <a:ln w="15875">
-              <a:solidFill>
-                <a:schemeClr val="tx1"/>
-              </a:solidFill>
-              <a:tailEnd type="triangle" w="lg" len="lg"/>
-            </a:ln>
-          </p:spPr>
-          <p:style>
-            <a:lnRef idx="1">
-              <a:schemeClr val="accent1"/>
-            </a:lnRef>
-            <a:fillRef idx="0">
-              <a:schemeClr val="accent1"/>
-            </a:fillRef>
-            <a:effectRef idx="0">
-              <a:schemeClr val="accent1"/>
-            </a:effectRef>
-            <a:fontRef idx="minor">
-              <a:schemeClr val="tx1"/>
-            </a:fontRef>
-          </p:style>
-        </p:cxnSp>
-        <p:cxnSp>
-          <p:nvCxnSpPr>
-            <p:cNvPr id="25" name="直接箭头连接符 24">
-              <a:extLst>
-                <a:ext uri="{FF2B5EF4-FFF2-40B4-BE49-F238E27FC236}">
-                  <a16:creationId xmlns:a16="http://schemas.microsoft.com/office/drawing/2014/main" id="{D3F04138-1624-9656-2499-6A574A4D082F}"/>
-                </a:ext>
-              </a:extLst>
-            </p:cNvPr>
-            <p:cNvCxnSpPr>
-              <a:cxnSpLocks/>
-              <a:stCxn id="7" idx="2"/>
-              <a:endCxn id="9" idx="0"/>
-            </p:cNvCxnSpPr>
-            <p:nvPr/>
-          </p:nvCxnSpPr>
-          <p:spPr>
-            <a:xfrm flipH="1">
-              <a:off x="2102987" y="2624841"/>
-              <a:ext cx="1" cy="222715"/>
-            </a:xfrm>
-            <a:prstGeom prst="straightConnector1">
-              <a:avLst/>
-            </a:prstGeom>
-            <a:ln w="15875">
-              <a:solidFill>
-                <a:schemeClr val="tx1"/>
-              </a:solidFill>
-              <a:tailEnd type="triangle" w="lg" len="lg"/>
-            </a:ln>
-          </p:spPr>
-          <p:style>
-            <a:lnRef idx="1">
-              <a:schemeClr val="accent1"/>
-            </a:lnRef>
-            <a:fillRef idx="0">
-              <a:schemeClr val="accent1"/>
-            </a:fillRef>
-            <a:effectRef idx="0">
-              <a:schemeClr val="accent1"/>
-            </a:effectRef>
-            <a:fontRef idx="minor">
-              <a:schemeClr val="tx1"/>
-            </a:fontRef>
-          </p:style>
-        </p:cxnSp>
-        <p:cxnSp>
-          <p:nvCxnSpPr>
-            <p:cNvPr id="28" name="直接箭头连接符 27">
-              <a:extLst>
-                <a:ext uri="{FF2B5EF4-FFF2-40B4-BE49-F238E27FC236}">
-                  <a16:creationId xmlns:a16="http://schemas.microsoft.com/office/drawing/2014/main" id="{812EB286-5256-86D2-C9A9-BD8B584372FD}"/>
-                </a:ext>
-              </a:extLst>
-            </p:cNvPr>
-            <p:cNvCxnSpPr>
-              <a:cxnSpLocks/>
-              <a:stCxn id="9" idx="2"/>
-              <a:endCxn id="48" idx="0"/>
-            </p:cNvCxnSpPr>
-            <p:nvPr/>
-          </p:nvCxnSpPr>
-          <p:spPr>
-            <a:xfrm>
-              <a:off x="2102987" y="3267225"/>
-              <a:ext cx="1" cy="222930"/>
-            </a:xfrm>
-            <a:prstGeom prst="straightConnector1">
-              <a:avLst/>
-            </a:prstGeom>
-            <a:ln w="15875">
-              <a:solidFill>
-                <a:schemeClr val="tx1"/>
-              </a:solidFill>
-              <a:tailEnd type="triangle" w="lg" len="lg"/>
-            </a:ln>
-          </p:spPr>
-          <p:style>
-            <a:lnRef idx="1">
-              <a:schemeClr val="accent1"/>
-            </a:lnRef>
-            <a:fillRef idx="0">
-              <a:schemeClr val="accent1"/>
-            </a:fillRef>
-            <a:effectRef idx="0">
-              <a:schemeClr val="accent1"/>
-            </a:effectRef>
-            <a:fontRef idx="minor">
-              <a:schemeClr val="tx1"/>
-            </a:fontRef>
-          </p:style>
-        </p:cxnSp>
-        <p:grpSp>
-          <p:nvGrpSpPr>
-            <p:cNvPr id="43" name="组合 42">
-              <a:extLst>
-                <a:ext uri="{FF2B5EF4-FFF2-40B4-BE49-F238E27FC236}">
-                  <a16:creationId xmlns:a16="http://schemas.microsoft.com/office/drawing/2014/main" id="{E0936611-26B4-6CFD-11DB-3A49F021A7C9}"/>
-                </a:ext>
-              </a:extLst>
-            </p:cNvPr>
-            <p:cNvGrpSpPr/>
-            <p:nvPr/>
-          </p:nvGrpSpPr>
-          <p:grpSpPr>
-            <a:xfrm>
-              <a:off x="865408" y="4296274"/>
-              <a:ext cx="2465637" cy="746065"/>
-              <a:chOff x="305468" y="4305799"/>
-              <a:chExt cx="2465637" cy="746065"/>
-            </a:xfrm>
-          </p:grpSpPr>
-          <p:sp>
-            <p:nvSpPr>
-              <p:cNvPr id="40" name="矩形: 圆角 39">
-                <a:extLst>
-                  <a:ext uri="{FF2B5EF4-FFF2-40B4-BE49-F238E27FC236}">
-                    <a16:creationId xmlns:a16="http://schemas.microsoft.com/office/drawing/2014/main" id="{81138250-A5B4-EC06-C26A-C55B4EE5B979}"/>
-                  </a:ext>
-                </a:extLst>
-              </p:cNvPr>
-              <p:cNvSpPr/>
-              <p:nvPr/>
-            </p:nvSpPr>
-            <p:spPr>
-              <a:xfrm>
-                <a:off x="305468" y="4305799"/>
-                <a:ext cx="411479" cy="746065"/>
-              </a:xfrm>
-              <a:prstGeom prst="roundRect">
-                <a:avLst>
-                  <a:gd name="adj" fmla="val 50000"/>
-                </a:avLst>
-              </a:prstGeom>
-              <a:gradFill>
-                <a:gsLst>
-                  <a:gs pos="37000">
-                    <a:schemeClr val="accent4">
-                      <a:lumMod val="40000"/>
-                      <a:lumOff val="60000"/>
-                    </a:schemeClr>
-                  </a:gs>
-                  <a:gs pos="0">
-                    <a:schemeClr val="accent4">
-                      <a:lumMod val="20000"/>
-                      <a:lumOff val="80000"/>
-                    </a:schemeClr>
-                  </a:gs>
-                  <a:gs pos="100000">
-                    <a:schemeClr val="accent4">
-                      <a:lumMod val="60000"/>
-                      <a:lumOff val="40000"/>
-                    </a:schemeClr>
-                  </a:gs>
-                </a:gsLst>
-                <a:lin ang="5400000" scaled="1"/>
-              </a:gradFill>
-              <a:ln w="15875">
-                <a:solidFill>
-                  <a:schemeClr val="accent4">
-                    <a:lumMod val="50000"/>
-                  </a:schemeClr>
-                </a:solidFill>
-              </a:ln>
-              <a:effectLst>
-                <a:outerShdw blurRad="50800" dist="38100" dir="5400000" algn="t" rotWithShape="0">
-                  <a:prstClr val="black">
-                    <a:alpha val="40000"/>
-                  </a:prstClr>
-                </a:outerShdw>
-              </a:effectLst>
-            </p:spPr>
-            <p:style>
-              <a:lnRef idx="2">
-                <a:schemeClr val="accent1">
-                  <a:shade val="50000"/>
-                </a:schemeClr>
-              </a:lnRef>
-              <a:fillRef idx="1">
-                <a:schemeClr val="accent1"/>
-              </a:fillRef>
-              <a:effectRef idx="0">
-                <a:schemeClr val="accent1"/>
-              </a:effectRef>
-              <a:fontRef idx="minor">
-                <a:schemeClr val="lt1"/>
-              </a:fontRef>
-            </p:style>
-            <p:txBody>
-              <a:bodyPr rtlCol="0" anchor="ctr"/>
-              <a:lstStyle/>
-              <a:p>
-                <a:pPr algn="ctr"/>
-                <a:r>
-                  <a:rPr lang="en-US" altLang="zh-CN" b="1" dirty="0">
-                    <a:solidFill>
-                      <a:schemeClr val="tx1"/>
-                    </a:solidFill>
-                    <a:latin typeface="Times New Roman" panose="02020603050405020304" pitchFamily="18" charset="0"/>
-                    <a:cs typeface="Times New Roman" panose="02020603050405020304" pitchFamily="18" charset="0"/>
-                  </a:rPr>
-                  <a:t>S</a:t>
-                </a:r>
-              </a:p>
-              <a:p>
-                <a:pPr algn="ctr"/>
-                <a:r>
-                  <a:rPr lang="en-US" altLang="zh-CN" b="1" i="1" dirty="0">
-                    <a:solidFill>
-                      <a:schemeClr val="tx1"/>
-                    </a:solidFill>
-                    <a:latin typeface="Times New Roman" panose="02020603050405020304" pitchFamily="18" charset="0"/>
-                    <a:cs typeface="Times New Roman" panose="02020603050405020304" pitchFamily="18" charset="0"/>
-                  </a:rPr>
-                  <a:t>1</a:t>
-                </a:r>
-                <a:endParaRPr lang="zh-CN" altLang="en-US" b="1" i="1" dirty="0">
-                  <a:solidFill>
-                    <a:schemeClr val="tx1"/>
-                  </a:solidFill>
-                  <a:latin typeface="Times New Roman" panose="02020603050405020304" pitchFamily="18" charset="0"/>
-                  <a:cs typeface="Times New Roman" panose="02020603050405020304" pitchFamily="18" charset="0"/>
-                </a:endParaRPr>
-              </a:p>
-            </p:txBody>
-          </p:sp>
-          <p:sp>
-            <p:nvSpPr>
-              <p:cNvPr id="41" name="矩形: 圆角 40">
-                <a:extLst>
-                  <a:ext uri="{FF2B5EF4-FFF2-40B4-BE49-F238E27FC236}">
-                    <a16:creationId xmlns:a16="http://schemas.microsoft.com/office/drawing/2014/main" id="{2FC68A05-D7B4-C29F-CC9E-6C4EBBFC7BAD}"/>
-                  </a:ext>
-                </a:extLst>
-              </p:cNvPr>
-              <p:cNvSpPr/>
-              <p:nvPr/>
-            </p:nvSpPr>
-            <p:spPr>
-              <a:xfrm>
-                <a:off x="2359626" y="4305799"/>
-                <a:ext cx="411479" cy="746065"/>
-              </a:xfrm>
-              <a:prstGeom prst="roundRect">
-                <a:avLst>
-                  <a:gd name="adj" fmla="val 50000"/>
-                </a:avLst>
-              </a:prstGeom>
-              <a:gradFill>
-                <a:gsLst>
-                  <a:gs pos="37000">
-                    <a:schemeClr val="accent4">
-                      <a:lumMod val="40000"/>
-                      <a:lumOff val="60000"/>
-                    </a:schemeClr>
-                  </a:gs>
-                  <a:gs pos="0">
-                    <a:schemeClr val="accent4">
-                      <a:lumMod val="20000"/>
-                      <a:lumOff val="80000"/>
-                    </a:schemeClr>
-                  </a:gs>
-                  <a:gs pos="100000">
-                    <a:schemeClr val="accent4">
-                      <a:lumMod val="60000"/>
-                      <a:lumOff val="40000"/>
-                    </a:schemeClr>
-                  </a:gs>
-                </a:gsLst>
-                <a:lin ang="5400000" scaled="1"/>
-              </a:gradFill>
-              <a:ln w="15875">
-                <a:solidFill>
-                  <a:schemeClr val="accent4">
-                    <a:lumMod val="50000"/>
-                  </a:schemeClr>
-                </a:solidFill>
-              </a:ln>
-              <a:effectLst>
-                <a:outerShdw blurRad="50800" dist="38100" dir="5400000" algn="t" rotWithShape="0">
-                  <a:prstClr val="black">
-                    <a:alpha val="40000"/>
-                  </a:prstClr>
-                </a:outerShdw>
-              </a:effectLst>
-            </p:spPr>
-            <p:style>
-              <a:lnRef idx="2">
-                <a:schemeClr val="accent1">
-                  <a:shade val="50000"/>
-                </a:schemeClr>
-              </a:lnRef>
-              <a:fillRef idx="1">
-                <a:schemeClr val="accent1"/>
-              </a:fillRef>
-              <a:effectRef idx="0">
-                <a:schemeClr val="accent1"/>
-              </a:effectRef>
-              <a:fontRef idx="minor">
-                <a:schemeClr val="lt1"/>
-              </a:fontRef>
-            </p:style>
-            <p:txBody>
-              <a:bodyPr rtlCol="0" anchor="ctr"/>
-              <a:lstStyle/>
-              <a:p>
-                <a:pPr algn="ctr"/>
-                <a:r>
-                  <a:rPr lang="en-US" altLang="zh-CN" b="1" dirty="0">
-                    <a:solidFill>
-                      <a:schemeClr val="tx1"/>
-                    </a:solidFill>
-                    <a:latin typeface="Times New Roman" panose="02020603050405020304" pitchFamily="18" charset="0"/>
-                    <a:cs typeface="Times New Roman" panose="02020603050405020304" pitchFamily="18" charset="0"/>
-                  </a:rPr>
-                  <a:t>S</a:t>
-                </a:r>
-              </a:p>
-              <a:p>
-                <a:pPr algn="ctr"/>
-                <a:r>
-                  <a:rPr lang="en-US" altLang="zh-CN" b="1" i="1" dirty="0">
-                    <a:solidFill>
-                      <a:schemeClr val="tx1"/>
-                    </a:solidFill>
-                    <a:latin typeface="Times New Roman" panose="02020603050405020304" pitchFamily="18" charset="0"/>
-                    <a:cs typeface="Times New Roman" panose="02020603050405020304" pitchFamily="18" charset="0"/>
-                  </a:rPr>
-                  <a:t>n</a:t>
-                </a:r>
-                <a:endParaRPr lang="zh-CN" altLang="en-US" b="1" i="1" dirty="0">
-                  <a:solidFill>
-                    <a:schemeClr val="tx1"/>
-                  </a:solidFill>
-                  <a:latin typeface="Times New Roman" panose="02020603050405020304" pitchFamily="18" charset="0"/>
-                  <a:cs typeface="Times New Roman" panose="02020603050405020304" pitchFamily="18" charset="0"/>
-                </a:endParaRPr>
-              </a:p>
-            </p:txBody>
-          </p:sp>
-          <p:sp>
-            <p:nvSpPr>
-              <p:cNvPr id="42" name="文本框 41">
-                <a:extLst>
-                  <a:ext uri="{FF2B5EF4-FFF2-40B4-BE49-F238E27FC236}">
-                    <a16:creationId xmlns:a16="http://schemas.microsoft.com/office/drawing/2014/main" id="{8ED04A34-7C2C-74F9-F4F2-303F6A3AB6EE}"/>
-                  </a:ext>
-                </a:extLst>
-              </p:cNvPr>
-              <p:cNvSpPr txBox="1"/>
-              <p:nvPr/>
-            </p:nvSpPr>
-            <p:spPr>
-              <a:xfrm>
-                <a:off x="804483" y="4478776"/>
-                <a:ext cx="1467610" cy="400110"/>
-              </a:xfrm>
-              <a:prstGeom prst="rect">
-                <a:avLst/>
-              </a:prstGeom>
-              <a:noFill/>
-            </p:spPr>
-            <p:txBody>
-              <a:bodyPr wrap="square" rtlCol="0" anchor="ctr">
-                <a:spAutoFit/>
-              </a:bodyPr>
-              <a:lstStyle/>
-              <a:p>
-                <a:pPr algn="ctr"/>
-                <a:r>
-                  <a:rPr lang="en-US" altLang="zh-CN" sz="2000" b="1" dirty="0">
-                    <a:latin typeface="Times New Roman" panose="02020603050405020304" pitchFamily="18" charset="0"/>
-                    <a:cs typeface="Times New Roman" panose="02020603050405020304" pitchFamily="18" charset="0"/>
-                  </a:rPr>
-                  <a:t>···</a:t>
-                </a:r>
-                <a:endParaRPr lang="zh-CN" altLang="en-US" sz="2000" b="1" dirty="0">
-                  <a:latin typeface="Times New Roman" panose="02020603050405020304" pitchFamily="18" charset="0"/>
-                  <a:cs typeface="Times New Roman" panose="02020603050405020304" pitchFamily="18" charset="0"/>
-                </a:endParaRPr>
-              </a:p>
-            </p:txBody>
-          </p:sp>
-        </p:grpSp>
-        <p:cxnSp>
-          <p:nvCxnSpPr>
-            <p:cNvPr id="44" name="直接箭头连接符 43">
-              <a:extLst>
-                <a:ext uri="{FF2B5EF4-FFF2-40B4-BE49-F238E27FC236}">
-                  <a16:creationId xmlns:a16="http://schemas.microsoft.com/office/drawing/2014/main" id="{73E55E21-8B6A-66F9-AA92-C0B30FEB2B55}"/>
-                </a:ext>
-              </a:extLst>
-            </p:cNvPr>
-            <p:cNvCxnSpPr>
-              <a:cxnSpLocks/>
-              <a:stCxn id="6" idx="2"/>
-              <a:endCxn id="42" idx="0"/>
-            </p:cNvCxnSpPr>
-            <p:nvPr/>
-          </p:nvCxnSpPr>
-          <p:spPr>
-            <a:xfrm>
-              <a:off x="2098228" y="4076700"/>
-              <a:ext cx="0" cy="392551"/>
-            </a:xfrm>
-            <a:prstGeom prst="straightConnector1">
-              <a:avLst/>
-            </a:prstGeom>
-            <a:ln w="15875">
-              <a:solidFill>
-                <a:schemeClr val="tx1"/>
-              </a:solidFill>
-              <a:tailEnd type="triangle" w="lg" len="lg"/>
-            </a:ln>
-          </p:spPr>
-          <p:style>
-            <a:lnRef idx="1">
-              <a:schemeClr val="accent1"/>
-            </a:lnRef>
-            <a:fillRef idx="0">
-              <a:schemeClr val="accent1"/>
-            </a:fillRef>
-            <a:effectRef idx="0">
-              <a:schemeClr val="accent1"/>
-            </a:effectRef>
-            <a:fontRef idx="minor">
-              <a:schemeClr val="tx1"/>
-            </a:fontRef>
-          </p:style>
-        </p:cxnSp>
-        <p:sp>
-          <p:nvSpPr>
-            <p:cNvPr id="48" name="矩形: 圆角 113">
-              <a:extLst>
-                <a:ext uri="{FF2B5EF4-FFF2-40B4-BE49-F238E27FC236}">
-                  <a16:creationId xmlns:a16="http://schemas.microsoft.com/office/drawing/2014/main" id="{C037C208-F301-67A1-4F17-4942068DE18A}"/>
-                </a:ext>
-              </a:extLst>
-            </p:cNvPr>
-            <p:cNvSpPr/>
-            <p:nvPr/>
-          </p:nvSpPr>
-          <p:spPr>
-            <a:xfrm>
-              <a:off x="902840" y="3490155"/>
-              <a:ext cx="2400296" cy="419669"/>
-            </a:xfrm>
-            <a:prstGeom prst="roundRect">
-              <a:avLst>
-                <a:gd name="adj" fmla="val 13839"/>
-              </a:avLst>
-            </a:prstGeom>
-            <a:solidFill>
-              <a:schemeClr val="accent5">
-                <a:lumMod val="20000"/>
-                <a:lumOff val="80000"/>
-              </a:schemeClr>
-            </a:solidFill>
-            <a:ln w="19050">
-              <a:solidFill>
-                <a:srgbClr val="C00000"/>
-              </a:solidFill>
-              <a:prstDash val="sysDash"/>
-            </a:ln>
-          </p:spPr>
-          <p:style>
-            <a:lnRef idx="2">
-              <a:schemeClr val="accent1">
-                <a:shade val="50000"/>
-              </a:schemeClr>
-            </a:lnRef>
-            <a:fillRef idx="1">
-              <a:schemeClr val="accent1"/>
-            </a:fillRef>
-            <a:effectRef idx="0">
-              <a:schemeClr val="accent1"/>
-            </a:effectRef>
-            <a:fontRef idx="minor">
-              <a:schemeClr val="lt1"/>
-            </a:fontRef>
-          </p:style>
-          <p:txBody>
-            <a:bodyPr rtlCol="0" anchor="ctr"/>
-            <a:lstStyle/>
-            <a:p>
-              <a:pPr algn="ctr"/>
-              <a:r>
-                <a:rPr lang="en-US" altLang="zh-CN" sz="1400" b="1" dirty="0" err="1">
-                  <a:solidFill>
-                    <a:schemeClr val="tx1"/>
-                  </a:solidFill>
-                  <a:latin typeface="Consolas" panose="020B0609020204030204" pitchFamily="49" charset="0"/>
-                  <a:cs typeface="Times New Roman" panose="02020603050405020304" pitchFamily="18" charset="0"/>
-                </a:rPr>
-                <a:t>LayerNorm</a:t>
-              </a:r>
-              <a:r>
-                <a:rPr lang="en-US" altLang="zh-CN" sz="1400" b="1" dirty="0">
-                  <a:solidFill>
-                    <a:schemeClr val="tx1"/>
-                  </a:solidFill>
-                  <a:latin typeface="Consolas" panose="020B0609020204030204" pitchFamily="49" charset="0"/>
-                  <a:cs typeface="Times New Roman" panose="02020603050405020304" pitchFamily="18" charset="0"/>
-                </a:rPr>
-                <a:t>(dim)</a:t>
-              </a:r>
-            </a:p>
-          </p:txBody>
-        </p:sp>
-        <p:sp>
-          <p:nvSpPr>
-            <p:cNvPr id="53" name="矩形: 圆角 52">
-              <a:extLst>
-                <a:ext uri="{FF2B5EF4-FFF2-40B4-BE49-F238E27FC236}">
-                  <a16:creationId xmlns:a16="http://schemas.microsoft.com/office/drawing/2014/main" id="{662233E9-E0E7-0483-DCA8-6A8F3F1CA235}"/>
-                </a:ext>
-              </a:extLst>
-            </p:cNvPr>
-            <p:cNvSpPr/>
-            <p:nvPr/>
-          </p:nvSpPr>
-          <p:spPr>
-            <a:xfrm>
-              <a:off x="131607" y="4272975"/>
-              <a:ext cx="411479" cy="746065"/>
-            </a:xfrm>
-            <a:prstGeom prst="roundRect">
-              <a:avLst>
-                <a:gd name="adj" fmla="val 50000"/>
-              </a:avLst>
-            </a:prstGeom>
-            <a:solidFill>
-              <a:schemeClr val="accent4">
-                <a:lumMod val="20000"/>
-                <a:lumOff val="80000"/>
-              </a:schemeClr>
-            </a:solidFill>
-            <a:ln w="15875">
-              <a:solidFill>
-                <a:srgbClr val="C00000"/>
-              </a:solidFill>
-              <a:prstDash val="sysDash"/>
-            </a:ln>
-            <a:effectLst>
-              <a:outerShdw blurRad="50800" dist="38100" dir="5400000" algn="t" rotWithShape="0">
-                <a:prstClr val="black">
-                  <a:alpha val="40000"/>
-                </a:prstClr>
-              </a:outerShdw>
-            </a:effectLst>
-          </p:spPr>
-          <p:style>
-            <a:lnRef idx="2">
-              <a:schemeClr val="accent1">
-                <a:shade val="50000"/>
-              </a:schemeClr>
-            </a:lnRef>
-            <a:fillRef idx="1">
-              <a:schemeClr val="accent1"/>
-            </a:fillRef>
-            <a:effectRef idx="0">
-              <a:schemeClr val="accent1"/>
-            </a:effectRef>
-            <a:fontRef idx="minor">
-              <a:schemeClr val="lt1"/>
-            </a:fontRef>
-          </p:style>
-          <p:txBody>
-            <a:bodyPr rtlCol="0" anchor="ctr"/>
-            <a:lstStyle/>
-            <a:p>
-              <a:pPr algn="ctr"/>
-              <a:r>
-                <a:rPr lang="en-US" altLang="zh-CN" b="1" dirty="0">
-                  <a:solidFill>
-                    <a:schemeClr val="tx1"/>
-                  </a:solidFill>
-                  <a:latin typeface="Times New Roman" panose="02020603050405020304" pitchFamily="18" charset="0"/>
-                  <a:cs typeface="Times New Roman" panose="02020603050405020304" pitchFamily="18" charset="0"/>
-                </a:rPr>
-                <a:t>*</a:t>
-              </a:r>
-              <a:endParaRPr lang="zh-CN" altLang="en-US" b="1" i="1" dirty="0">
-                <a:solidFill>
-                  <a:schemeClr val="tx1"/>
-                </a:solidFill>
-                <a:latin typeface="Times New Roman" panose="02020603050405020304" pitchFamily="18" charset="0"/>
-                <a:cs typeface="Times New Roman" panose="02020603050405020304" pitchFamily="18" charset="0"/>
-              </a:endParaRPr>
-            </a:p>
-          </p:txBody>
-        </p:sp>
-      </p:grpSp>
       <p:grpSp>
         <p:nvGrpSpPr>
           <p:cNvPr id="306" name="组合 305">
@@ -23973,6 +22522,1457 @@
           </a:p>
         </p:txBody>
       </p:sp>
+      <p:cxnSp>
+        <p:nvCxnSpPr>
+          <p:cNvPr id="111" name="连接符: 肘形 110">
+            <a:extLst>
+              <a:ext uri="{FF2B5EF4-FFF2-40B4-BE49-F238E27FC236}">
+                <a16:creationId xmlns:a16="http://schemas.microsoft.com/office/drawing/2014/main" id="{2110F768-1704-59E7-94F7-38B026C7A544}"/>
+              </a:ext>
+            </a:extLst>
+          </p:cNvPr>
+          <p:cNvCxnSpPr>
+            <a:cxnSpLocks/>
+            <a:stCxn id="55" idx="2"/>
+            <a:endCxn id="68" idx="2"/>
+          </p:cNvCxnSpPr>
+          <p:nvPr/>
+        </p:nvCxnSpPr>
+        <p:spPr>
+          <a:xfrm rot="16200000" flipH="1">
+            <a:off x="3775136" y="3530712"/>
+            <a:ext cx="591711" cy="4564363"/>
+          </a:xfrm>
+          <a:prstGeom prst="bentConnector3">
+            <a:avLst>
+              <a:gd name="adj1" fmla="val 218048"/>
+            </a:avLst>
+          </a:prstGeom>
+          <a:ln w="15875" cap="sq">
+            <a:solidFill>
+              <a:schemeClr val="tx1"/>
+            </a:solidFill>
+            <a:bevel/>
+            <a:tailEnd type="triangle" w="lg" len="lg"/>
+          </a:ln>
+        </p:spPr>
+        <p:style>
+          <a:lnRef idx="1">
+            <a:schemeClr val="accent1"/>
+          </a:lnRef>
+          <a:fillRef idx="0">
+            <a:schemeClr val="accent1"/>
+          </a:fillRef>
+          <a:effectRef idx="0">
+            <a:schemeClr val="accent1"/>
+          </a:effectRef>
+          <a:fontRef idx="minor">
+            <a:schemeClr val="tx1"/>
+          </a:fontRef>
+        </p:style>
+      </p:cxnSp>
+      <p:grpSp>
+        <p:nvGrpSpPr>
+          <p:cNvPr id="307" name="组合 306">
+            <a:extLst>
+              <a:ext uri="{FF2B5EF4-FFF2-40B4-BE49-F238E27FC236}">
+                <a16:creationId xmlns:a16="http://schemas.microsoft.com/office/drawing/2014/main" id="{D2219026-D323-C21C-07F8-F83E9AAF9B99}"/>
+              </a:ext>
+            </a:extLst>
+          </p:cNvPr>
+          <p:cNvGrpSpPr/>
+          <p:nvPr/>
+        </p:nvGrpSpPr>
+        <p:grpSpPr>
+          <a:xfrm>
+            <a:off x="131607" y="651277"/>
+            <a:ext cx="3314408" cy="4884939"/>
+            <a:chOff x="131607" y="651277"/>
+            <a:chExt cx="3314408" cy="4884939"/>
+          </a:xfrm>
+        </p:grpSpPr>
+        <p:grpSp>
+          <p:nvGrpSpPr>
+            <p:cNvPr id="60" name="组合 59">
+              <a:extLst>
+                <a:ext uri="{FF2B5EF4-FFF2-40B4-BE49-F238E27FC236}">
+                  <a16:creationId xmlns:a16="http://schemas.microsoft.com/office/drawing/2014/main" id="{EBB803A7-03B3-F58C-CD4E-D4A36A7699A9}"/>
+                </a:ext>
+              </a:extLst>
+            </p:cNvPr>
+            <p:cNvGrpSpPr/>
+            <p:nvPr/>
+          </p:nvGrpSpPr>
+          <p:grpSpPr>
+            <a:xfrm>
+              <a:off x="131607" y="5136106"/>
+              <a:ext cx="3314408" cy="400110"/>
+              <a:chOff x="762292" y="5288976"/>
+              <a:chExt cx="3314408" cy="400110"/>
+            </a:xfrm>
+          </p:grpSpPr>
+          <p:sp>
+            <p:nvSpPr>
+              <p:cNvPr id="54" name="矩形: 剪去左右顶角 53">
+                <a:extLst>
+                  <a:ext uri="{FF2B5EF4-FFF2-40B4-BE49-F238E27FC236}">
+                    <a16:creationId xmlns:a16="http://schemas.microsoft.com/office/drawing/2014/main" id="{7D322658-BB9C-8276-E874-A8546000B75C}"/>
+                  </a:ext>
+                </a:extLst>
+              </p:cNvPr>
+              <p:cNvSpPr/>
+              <p:nvPr/>
+            </p:nvSpPr>
+            <p:spPr>
+              <a:xfrm rot="10800000">
+                <a:off x="762292" y="5288976"/>
+                <a:ext cx="3314408" cy="400110"/>
+              </a:xfrm>
+              <a:prstGeom prst="snip2SameRect">
+                <a:avLst/>
+              </a:prstGeom>
+              <a:solidFill>
+                <a:schemeClr val="tx2">
+                  <a:lumMod val="20000"/>
+                  <a:lumOff val="80000"/>
+                </a:schemeClr>
+              </a:solidFill>
+              <a:ln w="19050">
+                <a:solidFill>
+                  <a:schemeClr val="accent1">
+                    <a:lumMod val="50000"/>
+                  </a:schemeClr>
+                </a:solidFill>
+              </a:ln>
+            </p:spPr>
+            <p:style>
+              <a:lnRef idx="2">
+                <a:schemeClr val="accent1">
+                  <a:shade val="50000"/>
+                </a:schemeClr>
+              </a:lnRef>
+              <a:fillRef idx="1">
+                <a:schemeClr val="accent1"/>
+              </a:fillRef>
+              <a:effectRef idx="0">
+                <a:schemeClr val="accent1"/>
+              </a:effectRef>
+              <a:fontRef idx="minor">
+                <a:schemeClr val="lt1"/>
+              </a:fontRef>
+            </p:style>
+            <p:txBody>
+              <a:bodyPr rtlCol="0" anchor="ctr"/>
+              <a:lstStyle/>
+              <a:p>
+                <a:pPr algn="ctr"/>
+                <a:endParaRPr lang="zh-CN" altLang="en-US" b="1" dirty="0"/>
+              </a:p>
+            </p:txBody>
+          </p:sp>
+          <p:sp>
+            <p:nvSpPr>
+              <p:cNvPr id="55" name="文本框 54">
+                <a:extLst>
+                  <a:ext uri="{FF2B5EF4-FFF2-40B4-BE49-F238E27FC236}">
+                    <a16:creationId xmlns:a16="http://schemas.microsoft.com/office/drawing/2014/main" id="{1BDD6479-AE79-238A-6059-703611B22352}"/>
+                  </a:ext>
+                </a:extLst>
+              </p:cNvPr>
+              <p:cNvSpPr txBox="1"/>
+              <p:nvPr/>
+            </p:nvSpPr>
+            <p:spPr>
+              <a:xfrm>
+                <a:off x="1345361" y="5300577"/>
+                <a:ext cx="2148268" cy="369332"/>
+              </a:xfrm>
+              <a:prstGeom prst="rect">
+                <a:avLst/>
+              </a:prstGeom>
+              <a:noFill/>
+            </p:spPr>
+            <p:txBody>
+              <a:bodyPr wrap="square" rtlCol="0">
+                <a:spAutoFit/>
+              </a:bodyPr>
+              <a:lstStyle/>
+              <a:p>
+                <a:pPr algn="ctr"/>
+                <a:r>
+                  <a:rPr lang="en-US" altLang="zh-CN" b="1" dirty="0">
+                    <a:latin typeface="Consolas" panose="020B0609020204030204" pitchFamily="49" charset="0"/>
+                  </a:rPr>
+                  <a:t>Dropout()</a:t>
+                </a:r>
+                <a:endParaRPr lang="zh-CN" altLang="en-US" b="1" dirty="0">
+                  <a:latin typeface="Consolas" panose="020B0609020204030204" pitchFamily="49" charset="0"/>
+                </a:endParaRPr>
+              </a:p>
+            </p:txBody>
+          </p:sp>
+        </p:grpSp>
+        <p:sp>
+          <p:nvSpPr>
+            <p:cNvPr id="6" name="矩形: 圆角 113">
+              <a:extLst>
+                <a:ext uri="{FF2B5EF4-FFF2-40B4-BE49-F238E27FC236}">
+                  <a16:creationId xmlns:a16="http://schemas.microsoft.com/office/drawing/2014/main" id="{2CBE0190-FCB5-EEC9-F601-1432FC023A2B}"/>
+                </a:ext>
+              </a:extLst>
+            </p:cNvPr>
+            <p:cNvSpPr/>
+            <p:nvPr/>
+          </p:nvSpPr>
+          <p:spPr>
+            <a:xfrm>
+              <a:off x="750440" y="1523933"/>
+              <a:ext cx="2695575" cy="2552767"/>
+            </a:xfrm>
+            <a:prstGeom prst="roundRect">
+              <a:avLst>
+                <a:gd name="adj" fmla="val 3765"/>
+              </a:avLst>
+            </a:prstGeom>
+            <a:gradFill flip="none" rotWithShape="1">
+              <a:gsLst>
+                <a:gs pos="38060">
+                  <a:srgbClr val="CFE1F2"/>
+                </a:gs>
+                <a:gs pos="0">
+                  <a:schemeClr val="accent1">
+                    <a:lumMod val="5000"/>
+                    <a:lumOff val="95000"/>
+                  </a:schemeClr>
+                </a:gs>
+                <a:gs pos="82000">
+                  <a:schemeClr val="accent5">
+                    <a:lumMod val="40000"/>
+                    <a:lumOff val="60000"/>
+                  </a:schemeClr>
+                </a:gs>
+                <a:gs pos="100000">
+                  <a:schemeClr val="accent5">
+                    <a:lumMod val="60000"/>
+                    <a:lumOff val="40000"/>
+                  </a:schemeClr>
+                </a:gs>
+              </a:gsLst>
+              <a:lin ang="2700000" scaled="1"/>
+              <a:tileRect/>
+            </a:gradFill>
+            <a:ln w="19050">
+              <a:solidFill>
+                <a:schemeClr val="accent5">
+                  <a:lumMod val="50000"/>
+                </a:schemeClr>
+              </a:solidFill>
+            </a:ln>
+            <a:scene3d>
+              <a:camera prst="orthographicFront"/>
+              <a:lightRig rig="threePt" dir="t"/>
+            </a:scene3d>
+            <a:sp3d>
+              <a:bevelT/>
+            </a:sp3d>
+          </p:spPr>
+          <p:style>
+            <a:lnRef idx="2">
+              <a:schemeClr val="accent1">
+                <a:shade val="50000"/>
+              </a:schemeClr>
+            </a:lnRef>
+            <a:fillRef idx="1">
+              <a:schemeClr val="accent1"/>
+            </a:fillRef>
+            <a:effectRef idx="0">
+              <a:schemeClr val="accent1"/>
+            </a:effectRef>
+            <a:fontRef idx="minor">
+              <a:schemeClr val="lt1"/>
+            </a:fontRef>
+          </p:style>
+          <p:txBody>
+            <a:bodyPr rtlCol="0" anchor="t"/>
+            <a:lstStyle/>
+            <a:p>
+              <a:pPr algn="ctr"/>
+              <a:r>
+                <a:rPr lang="en-US" altLang="zh-CN" b="1" dirty="0">
+                  <a:solidFill>
+                    <a:schemeClr val="tx1"/>
+                  </a:solidFill>
+                  <a:latin typeface="Times New Roman" panose="02020603050405020304" pitchFamily="18" charset="0"/>
+                  <a:cs typeface="Times New Roman" panose="02020603050405020304" pitchFamily="18" charset="0"/>
+                </a:rPr>
+                <a:t>Linear Projection</a:t>
+              </a:r>
+            </a:p>
+          </p:txBody>
+        </p:sp>
+        <p:sp>
+          <p:nvSpPr>
+            <p:cNvPr id="7" name="矩形: 圆角 113">
+              <a:extLst>
+                <a:ext uri="{FF2B5EF4-FFF2-40B4-BE49-F238E27FC236}">
+                  <a16:creationId xmlns:a16="http://schemas.microsoft.com/office/drawing/2014/main" id="{9F53A02E-53E5-65D2-C2E3-20806C9871AC}"/>
+                </a:ext>
+              </a:extLst>
+            </p:cNvPr>
+            <p:cNvSpPr/>
+            <p:nvPr/>
+          </p:nvSpPr>
+          <p:spPr>
+            <a:xfrm>
+              <a:off x="902839" y="2205172"/>
+              <a:ext cx="2400297" cy="419669"/>
+            </a:xfrm>
+            <a:prstGeom prst="roundRect">
+              <a:avLst>
+                <a:gd name="adj" fmla="val 13839"/>
+              </a:avLst>
+            </a:prstGeom>
+            <a:solidFill>
+              <a:schemeClr val="accent5">
+                <a:lumMod val="20000"/>
+                <a:lumOff val="80000"/>
+              </a:schemeClr>
+            </a:solidFill>
+            <a:ln w="19050">
+              <a:solidFill>
+                <a:srgbClr val="C00000"/>
+              </a:solidFill>
+              <a:prstDash val="sysDash"/>
+            </a:ln>
+          </p:spPr>
+          <p:style>
+            <a:lnRef idx="2">
+              <a:schemeClr val="accent1">
+                <a:shade val="50000"/>
+              </a:schemeClr>
+            </a:lnRef>
+            <a:fillRef idx="1">
+              <a:schemeClr val="accent1"/>
+            </a:fillRef>
+            <a:effectRef idx="0">
+              <a:schemeClr val="accent1"/>
+            </a:effectRef>
+            <a:fontRef idx="minor">
+              <a:schemeClr val="lt1"/>
+            </a:fontRef>
+          </p:style>
+          <p:txBody>
+            <a:bodyPr rtlCol="0" anchor="ctr"/>
+            <a:lstStyle/>
+            <a:p>
+              <a:pPr algn="ctr"/>
+              <a:r>
+                <a:rPr lang="en-US" altLang="zh-CN" sz="1400" b="1" dirty="0" err="1">
+                  <a:solidFill>
+                    <a:schemeClr val="tx1"/>
+                  </a:solidFill>
+                  <a:latin typeface="Consolas" panose="020B0609020204030204" pitchFamily="49" charset="0"/>
+                  <a:cs typeface="Times New Roman" panose="02020603050405020304" pitchFamily="18" charset="0"/>
+                </a:rPr>
+                <a:t>LayerNorm</a:t>
+              </a:r>
+              <a:r>
+                <a:rPr lang="en-US" altLang="zh-CN" sz="1400" b="1" dirty="0">
+                  <a:solidFill>
+                    <a:schemeClr val="tx1"/>
+                  </a:solidFill>
+                  <a:latin typeface="Consolas" panose="020B0609020204030204" pitchFamily="49" charset="0"/>
+                  <a:cs typeface="Times New Roman" panose="02020603050405020304" pitchFamily="18" charset="0"/>
+                </a:rPr>
+                <a:t>(</a:t>
+              </a:r>
+              <a:r>
+                <a:rPr lang="en-US" altLang="zh-CN" sz="1400" b="1" dirty="0" err="1">
+                  <a:solidFill>
+                    <a:schemeClr val="tx1"/>
+                  </a:solidFill>
+                  <a:latin typeface="Consolas" panose="020B0609020204030204" pitchFamily="49" charset="0"/>
+                  <a:cs typeface="Times New Roman" panose="02020603050405020304" pitchFamily="18" charset="0"/>
+                </a:rPr>
+                <a:t>input_size</a:t>
+              </a:r>
+              <a:r>
+                <a:rPr lang="en-US" altLang="zh-CN" sz="1400" b="1" dirty="0">
+                  <a:solidFill>
+                    <a:schemeClr val="tx1"/>
+                  </a:solidFill>
+                  <a:latin typeface="Consolas" panose="020B0609020204030204" pitchFamily="49" charset="0"/>
+                  <a:cs typeface="Times New Roman" panose="02020603050405020304" pitchFamily="18" charset="0"/>
+                </a:rPr>
+                <a:t>)</a:t>
+              </a:r>
+            </a:p>
+          </p:txBody>
+        </p:sp>
+        <p:sp>
+          <p:nvSpPr>
+            <p:cNvPr id="9" name="矩形: 圆角 113">
+              <a:extLst>
+                <a:ext uri="{FF2B5EF4-FFF2-40B4-BE49-F238E27FC236}">
+                  <a16:creationId xmlns:a16="http://schemas.microsoft.com/office/drawing/2014/main" id="{2AA64814-097D-7884-D1A9-D49A12B60D0B}"/>
+                </a:ext>
+              </a:extLst>
+            </p:cNvPr>
+            <p:cNvSpPr/>
+            <p:nvPr/>
+          </p:nvSpPr>
+          <p:spPr>
+            <a:xfrm>
+              <a:off x="902838" y="2847556"/>
+              <a:ext cx="2400298" cy="419669"/>
+            </a:xfrm>
+            <a:prstGeom prst="roundRect">
+              <a:avLst>
+                <a:gd name="adj" fmla="val 13839"/>
+              </a:avLst>
+            </a:prstGeom>
+            <a:solidFill>
+              <a:schemeClr val="accent5">
+                <a:lumMod val="20000"/>
+                <a:lumOff val="80000"/>
+              </a:schemeClr>
+            </a:solidFill>
+            <a:ln w="19050">
+              <a:solidFill>
+                <a:srgbClr val="C00000"/>
+              </a:solidFill>
+              <a:prstDash val="sysDash"/>
+            </a:ln>
+          </p:spPr>
+          <p:style>
+            <a:lnRef idx="2">
+              <a:schemeClr val="accent1">
+                <a:shade val="50000"/>
+              </a:schemeClr>
+            </a:lnRef>
+            <a:fillRef idx="1">
+              <a:schemeClr val="accent1"/>
+            </a:fillRef>
+            <a:effectRef idx="0">
+              <a:schemeClr val="accent1"/>
+            </a:effectRef>
+            <a:fontRef idx="minor">
+              <a:schemeClr val="lt1"/>
+            </a:fontRef>
+          </p:style>
+          <p:txBody>
+            <a:bodyPr rtlCol="0" anchor="ctr"/>
+            <a:lstStyle/>
+            <a:p>
+              <a:pPr algn="ctr"/>
+              <a:r>
+                <a:rPr lang="en-US" altLang="zh-CN" sz="1400" b="1" dirty="0">
+                  <a:solidFill>
+                    <a:schemeClr val="tx1"/>
+                  </a:solidFill>
+                  <a:latin typeface="Consolas" panose="020B0609020204030204" pitchFamily="49" charset="0"/>
+                  <a:cs typeface="Times New Roman" panose="02020603050405020304" pitchFamily="18" charset="0"/>
+                </a:rPr>
+                <a:t>Linear(</a:t>
+              </a:r>
+              <a:r>
+                <a:rPr lang="en-US" altLang="zh-CN" sz="1400" b="1" dirty="0" err="1">
+                  <a:solidFill>
+                    <a:schemeClr val="tx1"/>
+                  </a:solidFill>
+                  <a:latin typeface="Consolas" panose="020B0609020204030204" pitchFamily="49" charset="0"/>
+                  <a:cs typeface="Times New Roman" panose="02020603050405020304" pitchFamily="18" charset="0"/>
+                </a:rPr>
+                <a:t>input_size</a:t>
+              </a:r>
+              <a:r>
+                <a:rPr lang="en-US" altLang="zh-CN" sz="1400" b="1" dirty="0">
+                  <a:solidFill>
+                    <a:schemeClr val="tx1"/>
+                  </a:solidFill>
+                  <a:latin typeface="Consolas" panose="020B0609020204030204" pitchFamily="49" charset="0"/>
+                  <a:cs typeface="Times New Roman" panose="02020603050405020304" pitchFamily="18" charset="0"/>
+                </a:rPr>
+                <a:t>, dim)</a:t>
+              </a:r>
+            </a:p>
+          </p:txBody>
+        </p:sp>
+        <p:grpSp>
+          <p:nvGrpSpPr>
+            <p:cNvPr id="10" name="组合 9">
+              <a:extLst>
+                <a:ext uri="{FF2B5EF4-FFF2-40B4-BE49-F238E27FC236}">
+                  <a16:creationId xmlns:a16="http://schemas.microsoft.com/office/drawing/2014/main" id="{91000B7D-7B9D-891A-8649-624AA4A17A9D}"/>
+                </a:ext>
+              </a:extLst>
+            </p:cNvPr>
+            <p:cNvGrpSpPr/>
+            <p:nvPr/>
+          </p:nvGrpSpPr>
+          <p:grpSpPr>
+            <a:xfrm>
+              <a:off x="865409" y="651277"/>
+              <a:ext cx="2465636" cy="673519"/>
+              <a:chOff x="3448050" y="4562475"/>
+              <a:chExt cx="1712250" cy="1009650"/>
+            </a:xfrm>
+          </p:grpSpPr>
+          <p:sp>
+            <p:nvSpPr>
+              <p:cNvPr id="11" name="矩形: 圆角 10">
+                <a:extLst>
+                  <a:ext uri="{FF2B5EF4-FFF2-40B4-BE49-F238E27FC236}">
+                    <a16:creationId xmlns:a16="http://schemas.microsoft.com/office/drawing/2014/main" id="{1D5067F1-3D8C-A1AC-2A6C-194F238767DB}"/>
+                  </a:ext>
+                </a:extLst>
+              </p:cNvPr>
+              <p:cNvSpPr/>
+              <p:nvPr/>
+            </p:nvSpPr>
+            <p:spPr>
+              <a:xfrm>
+                <a:off x="3448050" y="4562475"/>
+                <a:ext cx="285750" cy="1009650"/>
+              </a:xfrm>
+              <a:prstGeom prst="roundRect">
+                <a:avLst>
+                  <a:gd name="adj" fmla="val 50000"/>
+                </a:avLst>
+              </a:prstGeom>
+              <a:gradFill>
+                <a:gsLst>
+                  <a:gs pos="37000">
+                    <a:schemeClr val="accent6">
+                      <a:lumMod val="20000"/>
+                      <a:lumOff val="80000"/>
+                    </a:schemeClr>
+                  </a:gs>
+                  <a:gs pos="0">
+                    <a:schemeClr val="accent1">
+                      <a:lumMod val="5000"/>
+                      <a:lumOff val="95000"/>
+                    </a:schemeClr>
+                  </a:gs>
+                  <a:gs pos="100000">
+                    <a:schemeClr val="accent6">
+                      <a:lumMod val="40000"/>
+                      <a:lumOff val="60000"/>
+                    </a:schemeClr>
+                  </a:gs>
+                </a:gsLst>
+                <a:lin ang="5400000" scaled="1"/>
+              </a:gradFill>
+              <a:ln w="15875">
+                <a:solidFill>
+                  <a:schemeClr val="accent6">
+                    <a:lumMod val="50000"/>
+                  </a:schemeClr>
+                </a:solidFill>
+              </a:ln>
+              <a:effectLst>
+                <a:outerShdw blurRad="50800" dist="38100" dir="5400000" algn="t" rotWithShape="0">
+                  <a:prstClr val="black">
+                    <a:alpha val="40000"/>
+                  </a:prstClr>
+                </a:outerShdw>
+              </a:effectLst>
+            </p:spPr>
+            <p:style>
+              <a:lnRef idx="2">
+                <a:schemeClr val="accent1">
+                  <a:shade val="50000"/>
+                </a:schemeClr>
+              </a:lnRef>
+              <a:fillRef idx="1">
+                <a:schemeClr val="accent1"/>
+              </a:fillRef>
+              <a:effectRef idx="0">
+                <a:schemeClr val="accent1"/>
+              </a:effectRef>
+              <a:fontRef idx="minor">
+                <a:schemeClr val="lt1"/>
+              </a:fontRef>
+            </p:style>
+            <p:txBody>
+              <a:bodyPr rtlCol="0" anchor="ctr"/>
+              <a:lstStyle/>
+              <a:p>
+                <a:pPr algn="ctr"/>
+                <a:r>
+                  <a:rPr lang="en-US" altLang="zh-CN" b="1" dirty="0">
+                    <a:solidFill>
+                      <a:schemeClr val="tx1"/>
+                    </a:solidFill>
+                    <a:latin typeface="Times New Roman" panose="02020603050405020304" pitchFamily="18" charset="0"/>
+                    <a:cs typeface="Times New Roman" panose="02020603050405020304" pitchFamily="18" charset="0"/>
+                  </a:rPr>
+                  <a:t>S</a:t>
+                </a:r>
+              </a:p>
+              <a:p>
+                <a:pPr algn="ctr"/>
+                <a:r>
+                  <a:rPr lang="en-US" altLang="zh-CN" b="1" i="1" dirty="0">
+                    <a:solidFill>
+                      <a:schemeClr val="tx1"/>
+                    </a:solidFill>
+                    <a:latin typeface="Times New Roman" panose="02020603050405020304" pitchFamily="18" charset="0"/>
+                    <a:cs typeface="Times New Roman" panose="02020603050405020304" pitchFamily="18" charset="0"/>
+                  </a:rPr>
+                  <a:t>1</a:t>
+                </a:r>
+                <a:endParaRPr lang="zh-CN" altLang="en-US" b="1" i="1" dirty="0">
+                  <a:solidFill>
+                    <a:schemeClr val="tx1"/>
+                  </a:solidFill>
+                  <a:latin typeface="Times New Roman" panose="02020603050405020304" pitchFamily="18" charset="0"/>
+                  <a:cs typeface="Times New Roman" panose="02020603050405020304" pitchFamily="18" charset="0"/>
+                </a:endParaRPr>
+              </a:p>
+            </p:txBody>
+          </p:sp>
+          <p:sp>
+            <p:nvSpPr>
+              <p:cNvPr id="15" name="矩形: 圆角 14">
+                <a:extLst>
+                  <a:ext uri="{FF2B5EF4-FFF2-40B4-BE49-F238E27FC236}">
+                    <a16:creationId xmlns:a16="http://schemas.microsoft.com/office/drawing/2014/main" id="{3B0A42D8-B4D6-81BF-ECE6-47352A38D35C}"/>
+                  </a:ext>
+                </a:extLst>
+              </p:cNvPr>
+              <p:cNvSpPr/>
+              <p:nvPr/>
+            </p:nvSpPr>
+            <p:spPr>
+              <a:xfrm>
+                <a:off x="4874550" y="4562475"/>
+                <a:ext cx="285750" cy="1009650"/>
+              </a:xfrm>
+              <a:prstGeom prst="roundRect">
+                <a:avLst>
+                  <a:gd name="adj" fmla="val 50000"/>
+                </a:avLst>
+              </a:prstGeom>
+              <a:gradFill>
+                <a:gsLst>
+                  <a:gs pos="37000">
+                    <a:schemeClr val="accent6">
+                      <a:lumMod val="20000"/>
+                      <a:lumOff val="80000"/>
+                    </a:schemeClr>
+                  </a:gs>
+                  <a:gs pos="0">
+                    <a:schemeClr val="accent1">
+                      <a:lumMod val="5000"/>
+                      <a:lumOff val="95000"/>
+                    </a:schemeClr>
+                  </a:gs>
+                  <a:gs pos="100000">
+                    <a:schemeClr val="accent6">
+                      <a:lumMod val="40000"/>
+                      <a:lumOff val="60000"/>
+                    </a:schemeClr>
+                  </a:gs>
+                </a:gsLst>
+                <a:lin ang="5400000" scaled="1"/>
+              </a:gradFill>
+              <a:ln w="15875">
+                <a:solidFill>
+                  <a:schemeClr val="accent6">
+                    <a:lumMod val="50000"/>
+                  </a:schemeClr>
+                </a:solidFill>
+              </a:ln>
+              <a:effectLst>
+                <a:outerShdw blurRad="50800" dist="38100" dir="5400000" algn="t" rotWithShape="0">
+                  <a:prstClr val="black">
+                    <a:alpha val="40000"/>
+                  </a:prstClr>
+                </a:outerShdw>
+              </a:effectLst>
+            </p:spPr>
+            <p:style>
+              <a:lnRef idx="2">
+                <a:schemeClr val="accent1">
+                  <a:shade val="50000"/>
+                </a:schemeClr>
+              </a:lnRef>
+              <a:fillRef idx="1">
+                <a:schemeClr val="accent1"/>
+              </a:fillRef>
+              <a:effectRef idx="0">
+                <a:schemeClr val="accent1"/>
+              </a:effectRef>
+              <a:fontRef idx="minor">
+                <a:schemeClr val="lt1"/>
+              </a:fontRef>
+            </p:style>
+            <p:txBody>
+              <a:bodyPr rtlCol="0" anchor="ctr"/>
+              <a:lstStyle/>
+              <a:p>
+                <a:pPr algn="ctr"/>
+                <a:r>
+                  <a:rPr lang="en-US" altLang="zh-CN" b="1" dirty="0">
+                    <a:solidFill>
+                      <a:schemeClr val="tx1"/>
+                    </a:solidFill>
+                    <a:latin typeface="Times New Roman" panose="02020603050405020304" pitchFamily="18" charset="0"/>
+                    <a:cs typeface="Times New Roman" panose="02020603050405020304" pitchFamily="18" charset="0"/>
+                  </a:rPr>
+                  <a:t>S</a:t>
+                </a:r>
+              </a:p>
+              <a:p>
+                <a:pPr algn="ctr"/>
+                <a:r>
+                  <a:rPr lang="en-US" altLang="zh-CN" b="1" i="1" dirty="0">
+                    <a:solidFill>
+                      <a:schemeClr val="tx1"/>
+                    </a:solidFill>
+                    <a:latin typeface="Times New Roman" panose="02020603050405020304" pitchFamily="18" charset="0"/>
+                    <a:cs typeface="Times New Roman" panose="02020603050405020304" pitchFamily="18" charset="0"/>
+                  </a:rPr>
+                  <a:t>n</a:t>
+                </a:r>
+                <a:endParaRPr lang="zh-CN" altLang="en-US" b="1" i="1" dirty="0">
+                  <a:solidFill>
+                    <a:schemeClr val="tx1"/>
+                  </a:solidFill>
+                  <a:latin typeface="Times New Roman" panose="02020603050405020304" pitchFamily="18" charset="0"/>
+                  <a:cs typeface="Times New Roman" panose="02020603050405020304" pitchFamily="18" charset="0"/>
+                </a:endParaRPr>
+              </a:p>
+            </p:txBody>
+          </p:sp>
+          <p:sp>
+            <p:nvSpPr>
+              <p:cNvPr id="16" name="文本框 15">
+                <a:extLst>
+                  <a:ext uri="{FF2B5EF4-FFF2-40B4-BE49-F238E27FC236}">
+                    <a16:creationId xmlns:a16="http://schemas.microsoft.com/office/drawing/2014/main" id="{7EB0B845-3AF1-485D-4C07-6C86B26EC4D1}"/>
+                  </a:ext>
+                </a:extLst>
+              </p:cNvPr>
+              <p:cNvSpPr txBox="1"/>
+              <p:nvPr/>
+            </p:nvSpPr>
+            <p:spPr>
+              <a:xfrm>
+                <a:off x="3794588" y="4767403"/>
+                <a:ext cx="1019175" cy="599792"/>
+              </a:xfrm>
+              <a:prstGeom prst="rect">
+                <a:avLst/>
+              </a:prstGeom>
+              <a:noFill/>
+            </p:spPr>
+            <p:txBody>
+              <a:bodyPr wrap="square" rtlCol="0" anchor="ctr">
+                <a:spAutoFit/>
+              </a:bodyPr>
+              <a:lstStyle/>
+              <a:p>
+                <a:pPr algn="ctr"/>
+                <a:r>
+                  <a:rPr lang="en-US" altLang="zh-CN" sz="2000" b="1" dirty="0">
+                    <a:latin typeface="Times New Roman" panose="02020603050405020304" pitchFamily="18" charset="0"/>
+                    <a:cs typeface="Times New Roman" panose="02020603050405020304" pitchFamily="18" charset="0"/>
+                  </a:rPr>
+                  <a:t>···</a:t>
+                </a:r>
+                <a:endParaRPr lang="zh-CN" altLang="en-US" sz="2000" b="1" dirty="0">
+                  <a:latin typeface="Times New Roman" panose="02020603050405020304" pitchFamily="18" charset="0"/>
+                  <a:cs typeface="Times New Roman" panose="02020603050405020304" pitchFamily="18" charset="0"/>
+                </a:endParaRPr>
+              </a:p>
+            </p:txBody>
+          </p:sp>
+        </p:grpSp>
+        <p:cxnSp>
+          <p:nvCxnSpPr>
+            <p:cNvPr id="17" name="直接箭头连接符 16">
+              <a:extLst>
+                <a:ext uri="{FF2B5EF4-FFF2-40B4-BE49-F238E27FC236}">
+                  <a16:creationId xmlns:a16="http://schemas.microsoft.com/office/drawing/2014/main" id="{EFAACA01-A9EE-90B4-AE5D-9E46700E198E}"/>
+                </a:ext>
+              </a:extLst>
+            </p:cNvPr>
+            <p:cNvCxnSpPr>
+              <a:cxnSpLocks/>
+              <a:stCxn id="16" idx="2"/>
+              <a:endCxn id="6" idx="0"/>
+            </p:cNvCxnSpPr>
+            <p:nvPr/>
+          </p:nvCxnSpPr>
+          <p:spPr>
+            <a:xfrm>
+              <a:off x="2098228" y="1188091"/>
+              <a:ext cx="0" cy="335842"/>
+            </a:xfrm>
+            <a:prstGeom prst="straightConnector1">
+              <a:avLst/>
+            </a:prstGeom>
+            <a:ln w="15875">
+              <a:solidFill>
+                <a:schemeClr val="tx1"/>
+              </a:solidFill>
+              <a:tailEnd type="triangle" w="lg" len="lg"/>
+            </a:ln>
+          </p:spPr>
+          <p:style>
+            <a:lnRef idx="1">
+              <a:schemeClr val="accent1"/>
+            </a:lnRef>
+            <a:fillRef idx="0">
+              <a:schemeClr val="accent1"/>
+            </a:fillRef>
+            <a:effectRef idx="0">
+              <a:schemeClr val="accent1"/>
+            </a:effectRef>
+            <a:fontRef idx="minor">
+              <a:schemeClr val="tx1"/>
+            </a:fontRef>
+          </p:style>
+        </p:cxnSp>
+        <p:cxnSp>
+          <p:nvCxnSpPr>
+            <p:cNvPr id="24" name="直接箭头连接符 23">
+              <a:extLst>
+                <a:ext uri="{FF2B5EF4-FFF2-40B4-BE49-F238E27FC236}">
+                  <a16:creationId xmlns:a16="http://schemas.microsoft.com/office/drawing/2014/main" id="{445C0B95-7D2C-C4EE-9343-7FAA1366CBFB}"/>
+                </a:ext>
+              </a:extLst>
+            </p:cNvPr>
+            <p:cNvCxnSpPr>
+              <a:cxnSpLocks/>
+            </p:cNvCxnSpPr>
+            <p:nvPr/>
+          </p:nvCxnSpPr>
+          <p:spPr>
+            <a:xfrm>
+              <a:off x="2098227" y="1895475"/>
+              <a:ext cx="4761" cy="309697"/>
+            </a:xfrm>
+            <a:prstGeom prst="straightConnector1">
+              <a:avLst/>
+            </a:prstGeom>
+            <a:ln w="15875">
+              <a:solidFill>
+                <a:schemeClr val="tx1"/>
+              </a:solidFill>
+              <a:tailEnd type="triangle" w="lg" len="lg"/>
+            </a:ln>
+          </p:spPr>
+          <p:style>
+            <a:lnRef idx="1">
+              <a:schemeClr val="accent1"/>
+            </a:lnRef>
+            <a:fillRef idx="0">
+              <a:schemeClr val="accent1"/>
+            </a:fillRef>
+            <a:effectRef idx="0">
+              <a:schemeClr val="accent1"/>
+            </a:effectRef>
+            <a:fontRef idx="minor">
+              <a:schemeClr val="tx1"/>
+            </a:fontRef>
+          </p:style>
+        </p:cxnSp>
+        <p:cxnSp>
+          <p:nvCxnSpPr>
+            <p:cNvPr id="25" name="直接箭头连接符 24">
+              <a:extLst>
+                <a:ext uri="{FF2B5EF4-FFF2-40B4-BE49-F238E27FC236}">
+                  <a16:creationId xmlns:a16="http://schemas.microsoft.com/office/drawing/2014/main" id="{D3F04138-1624-9656-2499-6A574A4D082F}"/>
+                </a:ext>
+              </a:extLst>
+            </p:cNvPr>
+            <p:cNvCxnSpPr>
+              <a:cxnSpLocks/>
+              <a:stCxn id="7" idx="2"/>
+              <a:endCxn id="9" idx="0"/>
+            </p:cNvCxnSpPr>
+            <p:nvPr/>
+          </p:nvCxnSpPr>
+          <p:spPr>
+            <a:xfrm flipH="1">
+              <a:off x="2102987" y="2624841"/>
+              <a:ext cx="1" cy="222715"/>
+            </a:xfrm>
+            <a:prstGeom prst="straightConnector1">
+              <a:avLst/>
+            </a:prstGeom>
+            <a:ln w="15875">
+              <a:solidFill>
+                <a:schemeClr val="tx1"/>
+              </a:solidFill>
+              <a:tailEnd type="triangle" w="lg" len="lg"/>
+            </a:ln>
+          </p:spPr>
+          <p:style>
+            <a:lnRef idx="1">
+              <a:schemeClr val="accent1"/>
+            </a:lnRef>
+            <a:fillRef idx="0">
+              <a:schemeClr val="accent1"/>
+            </a:fillRef>
+            <a:effectRef idx="0">
+              <a:schemeClr val="accent1"/>
+            </a:effectRef>
+            <a:fontRef idx="minor">
+              <a:schemeClr val="tx1"/>
+            </a:fontRef>
+          </p:style>
+        </p:cxnSp>
+        <p:cxnSp>
+          <p:nvCxnSpPr>
+            <p:cNvPr id="28" name="直接箭头连接符 27">
+              <a:extLst>
+                <a:ext uri="{FF2B5EF4-FFF2-40B4-BE49-F238E27FC236}">
+                  <a16:creationId xmlns:a16="http://schemas.microsoft.com/office/drawing/2014/main" id="{812EB286-5256-86D2-C9A9-BD8B584372FD}"/>
+                </a:ext>
+              </a:extLst>
+            </p:cNvPr>
+            <p:cNvCxnSpPr>
+              <a:cxnSpLocks/>
+              <a:stCxn id="9" idx="2"/>
+              <a:endCxn id="48" idx="0"/>
+            </p:cNvCxnSpPr>
+            <p:nvPr/>
+          </p:nvCxnSpPr>
+          <p:spPr>
+            <a:xfrm>
+              <a:off x="2102987" y="3267225"/>
+              <a:ext cx="1" cy="222930"/>
+            </a:xfrm>
+            <a:prstGeom prst="straightConnector1">
+              <a:avLst/>
+            </a:prstGeom>
+            <a:ln w="15875">
+              <a:solidFill>
+                <a:schemeClr val="tx1"/>
+              </a:solidFill>
+              <a:tailEnd type="triangle" w="lg" len="lg"/>
+            </a:ln>
+          </p:spPr>
+          <p:style>
+            <a:lnRef idx="1">
+              <a:schemeClr val="accent1"/>
+            </a:lnRef>
+            <a:fillRef idx="0">
+              <a:schemeClr val="accent1"/>
+            </a:fillRef>
+            <a:effectRef idx="0">
+              <a:schemeClr val="accent1"/>
+            </a:effectRef>
+            <a:fontRef idx="minor">
+              <a:schemeClr val="tx1"/>
+            </a:fontRef>
+          </p:style>
+        </p:cxnSp>
+        <p:grpSp>
+          <p:nvGrpSpPr>
+            <p:cNvPr id="43" name="组合 42">
+              <a:extLst>
+                <a:ext uri="{FF2B5EF4-FFF2-40B4-BE49-F238E27FC236}">
+                  <a16:creationId xmlns:a16="http://schemas.microsoft.com/office/drawing/2014/main" id="{E0936611-26B4-6CFD-11DB-3A49F021A7C9}"/>
+                </a:ext>
+              </a:extLst>
+            </p:cNvPr>
+            <p:cNvGrpSpPr/>
+            <p:nvPr/>
+          </p:nvGrpSpPr>
+          <p:grpSpPr>
+            <a:xfrm>
+              <a:off x="865408" y="4296274"/>
+              <a:ext cx="2465637" cy="746065"/>
+              <a:chOff x="305468" y="4305799"/>
+              <a:chExt cx="2465637" cy="746065"/>
+            </a:xfrm>
+          </p:grpSpPr>
+          <p:sp>
+            <p:nvSpPr>
+              <p:cNvPr id="40" name="矩形: 圆角 39">
+                <a:extLst>
+                  <a:ext uri="{FF2B5EF4-FFF2-40B4-BE49-F238E27FC236}">
+                    <a16:creationId xmlns:a16="http://schemas.microsoft.com/office/drawing/2014/main" id="{81138250-A5B4-EC06-C26A-C55B4EE5B979}"/>
+                  </a:ext>
+                </a:extLst>
+              </p:cNvPr>
+              <p:cNvSpPr/>
+              <p:nvPr/>
+            </p:nvSpPr>
+            <p:spPr>
+              <a:xfrm>
+                <a:off x="305468" y="4305799"/>
+                <a:ext cx="411479" cy="746065"/>
+              </a:xfrm>
+              <a:prstGeom prst="roundRect">
+                <a:avLst>
+                  <a:gd name="adj" fmla="val 50000"/>
+                </a:avLst>
+              </a:prstGeom>
+              <a:gradFill>
+                <a:gsLst>
+                  <a:gs pos="37000">
+                    <a:schemeClr val="accent4">
+                      <a:lumMod val="40000"/>
+                      <a:lumOff val="60000"/>
+                    </a:schemeClr>
+                  </a:gs>
+                  <a:gs pos="0">
+                    <a:schemeClr val="accent4">
+                      <a:lumMod val="20000"/>
+                      <a:lumOff val="80000"/>
+                    </a:schemeClr>
+                  </a:gs>
+                  <a:gs pos="100000">
+                    <a:schemeClr val="accent4">
+                      <a:lumMod val="60000"/>
+                      <a:lumOff val="40000"/>
+                    </a:schemeClr>
+                  </a:gs>
+                </a:gsLst>
+                <a:lin ang="5400000" scaled="1"/>
+              </a:gradFill>
+              <a:ln w="15875">
+                <a:solidFill>
+                  <a:schemeClr val="accent4">
+                    <a:lumMod val="50000"/>
+                  </a:schemeClr>
+                </a:solidFill>
+              </a:ln>
+              <a:effectLst>
+                <a:outerShdw blurRad="50800" dist="38100" dir="5400000" algn="t" rotWithShape="0">
+                  <a:prstClr val="black">
+                    <a:alpha val="40000"/>
+                  </a:prstClr>
+                </a:outerShdw>
+              </a:effectLst>
+            </p:spPr>
+            <p:style>
+              <a:lnRef idx="2">
+                <a:schemeClr val="accent1">
+                  <a:shade val="50000"/>
+                </a:schemeClr>
+              </a:lnRef>
+              <a:fillRef idx="1">
+                <a:schemeClr val="accent1"/>
+              </a:fillRef>
+              <a:effectRef idx="0">
+                <a:schemeClr val="accent1"/>
+              </a:effectRef>
+              <a:fontRef idx="minor">
+                <a:schemeClr val="lt1"/>
+              </a:fontRef>
+            </p:style>
+            <p:txBody>
+              <a:bodyPr rtlCol="0" anchor="ctr"/>
+              <a:lstStyle/>
+              <a:p>
+                <a:pPr algn="ctr"/>
+                <a:r>
+                  <a:rPr lang="en-US" altLang="zh-CN" b="1" dirty="0">
+                    <a:solidFill>
+                      <a:schemeClr val="tx1"/>
+                    </a:solidFill>
+                    <a:latin typeface="Times New Roman" panose="02020603050405020304" pitchFamily="18" charset="0"/>
+                    <a:cs typeface="Times New Roman" panose="02020603050405020304" pitchFamily="18" charset="0"/>
+                  </a:rPr>
+                  <a:t>S</a:t>
+                </a:r>
+              </a:p>
+              <a:p>
+                <a:pPr algn="ctr"/>
+                <a:r>
+                  <a:rPr lang="en-US" altLang="zh-CN" b="1" i="1" dirty="0">
+                    <a:solidFill>
+                      <a:schemeClr val="tx1"/>
+                    </a:solidFill>
+                    <a:latin typeface="Times New Roman" panose="02020603050405020304" pitchFamily="18" charset="0"/>
+                    <a:cs typeface="Times New Roman" panose="02020603050405020304" pitchFamily="18" charset="0"/>
+                  </a:rPr>
+                  <a:t>1</a:t>
+                </a:r>
+                <a:endParaRPr lang="zh-CN" altLang="en-US" b="1" i="1" dirty="0">
+                  <a:solidFill>
+                    <a:schemeClr val="tx1"/>
+                  </a:solidFill>
+                  <a:latin typeface="Times New Roman" panose="02020603050405020304" pitchFamily="18" charset="0"/>
+                  <a:cs typeface="Times New Roman" panose="02020603050405020304" pitchFamily="18" charset="0"/>
+                </a:endParaRPr>
+              </a:p>
+            </p:txBody>
+          </p:sp>
+          <p:sp>
+            <p:nvSpPr>
+              <p:cNvPr id="41" name="矩形: 圆角 40">
+                <a:extLst>
+                  <a:ext uri="{FF2B5EF4-FFF2-40B4-BE49-F238E27FC236}">
+                    <a16:creationId xmlns:a16="http://schemas.microsoft.com/office/drawing/2014/main" id="{2FC68A05-D7B4-C29F-CC9E-6C4EBBFC7BAD}"/>
+                  </a:ext>
+                </a:extLst>
+              </p:cNvPr>
+              <p:cNvSpPr/>
+              <p:nvPr/>
+            </p:nvSpPr>
+            <p:spPr>
+              <a:xfrm>
+                <a:off x="2359626" y="4305799"/>
+                <a:ext cx="411479" cy="746065"/>
+              </a:xfrm>
+              <a:prstGeom prst="roundRect">
+                <a:avLst>
+                  <a:gd name="adj" fmla="val 50000"/>
+                </a:avLst>
+              </a:prstGeom>
+              <a:gradFill>
+                <a:gsLst>
+                  <a:gs pos="37000">
+                    <a:schemeClr val="accent4">
+                      <a:lumMod val="40000"/>
+                      <a:lumOff val="60000"/>
+                    </a:schemeClr>
+                  </a:gs>
+                  <a:gs pos="0">
+                    <a:schemeClr val="accent4">
+                      <a:lumMod val="20000"/>
+                      <a:lumOff val="80000"/>
+                    </a:schemeClr>
+                  </a:gs>
+                  <a:gs pos="100000">
+                    <a:schemeClr val="accent4">
+                      <a:lumMod val="60000"/>
+                      <a:lumOff val="40000"/>
+                    </a:schemeClr>
+                  </a:gs>
+                </a:gsLst>
+                <a:lin ang="5400000" scaled="1"/>
+              </a:gradFill>
+              <a:ln w="15875">
+                <a:solidFill>
+                  <a:schemeClr val="accent4">
+                    <a:lumMod val="50000"/>
+                  </a:schemeClr>
+                </a:solidFill>
+              </a:ln>
+              <a:effectLst>
+                <a:outerShdw blurRad="50800" dist="38100" dir="5400000" algn="t" rotWithShape="0">
+                  <a:prstClr val="black">
+                    <a:alpha val="40000"/>
+                  </a:prstClr>
+                </a:outerShdw>
+              </a:effectLst>
+            </p:spPr>
+            <p:style>
+              <a:lnRef idx="2">
+                <a:schemeClr val="accent1">
+                  <a:shade val="50000"/>
+                </a:schemeClr>
+              </a:lnRef>
+              <a:fillRef idx="1">
+                <a:schemeClr val="accent1"/>
+              </a:fillRef>
+              <a:effectRef idx="0">
+                <a:schemeClr val="accent1"/>
+              </a:effectRef>
+              <a:fontRef idx="minor">
+                <a:schemeClr val="lt1"/>
+              </a:fontRef>
+            </p:style>
+            <p:txBody>
+              <a:bodyPr rtlCol="0" anchor="ctr"/>
+              <a:lstStyle/>
+              <a:p>
+                <a:pPr algn="ctr"/>
+                <a:r>
+                  <a:rPr lang="en-US" altLang="zh-CN" b="1" dirty="0">
+                    <a:solidFill>
+                      <a:schemeClr val="tx1"/>
+                    </a:solidFill>
+                    <a:latin typeface="Times New Roman" panose="02020603050405020304" pitchFamily="18" charset="0"/>
+                    <a:cs typeface="Times New Roman" panose="02020603050405020304" pitchFamily="18" charset="0"/>
+                  </a:rPr>
+                  <a:t>S</a:t>
+                </a:r>
+              </a:p>
+              <a:p>
+                <a:pPr algn="ctr"/>
+                <a:r>
+                  <a:rPr lang="en-US" altLang="zh-CN" b="1" i="1" dirty="0">
+                    <a:solidFill>
+                      <a:schemeClr val="tx1"/>
+                    </a:solidFill>
+                    <a:latin typeface="Times New Roman" panose="02020603050405020304" pitchFamily="18" charset="0"/>
+                    <a:cs typeface="Times New Roman" panose="02020603050405020304" pitchFamily="18" charset="0"/>
+                  </a:rPr>
+                  <a:t>n</a:t>
+                </a:r>
+                <a:endParaRPr lang="zh-CN" altLang="en-US" b="1" i="1" dirty="0">
+                  <a:solidFill>
+                    <a:schemeClr val="tx1"/>
+                  </a:solidFill>
+                  <a:latin typeface="Times New Roman" panose="02020603050405020304" pitchFamily="18" charset="0"/>
+                  <a:cs typeface="Times New Roman" panose="02020603050405020304" pitchFamily="18" charset="0"/>
+                </a:endParaRPr>
+              </a:p>
+            </p:txBody>
+          </p:sp>
+          <p:sp>
+            <p:nvSpPr>
+              <p:cNvPr id="42" name="文本框 41">
+                <a:extLst>
+                  <a:ext uri="{FF2B5EF4-FFF2-40B4-BE49-F238E27FC236}">
+                    <a16:creationId xmlns:a16="http://schemas.microsoft.com/office/drawing/2014/main" id="{8ED04A34-7C2C-74F9-F4F2-303F6A3AB6EE}"/>
+                  </a:ext>
+                </a:extLst>
+              </p:cNvPr>
+              <p:cNvSpPr txBox="1"/>
+              <p:nvPr/>
+            </p:nvSpPr>
+            <p:spPr>
+              <a:xfrm>
+                <a:off x="804483" y="4478776"/>
+                <a:ext cx="1467610" cy="400110"/>
+              </a:xfrm>
+              <a:prstGeom prst="rect">
+                <a:avLst/>
+              </a:prstGeom>
+              <a:noFill/>
+            </p:spPr>
+            <p:txBody>
+              <a:bodyPr wrap="square" rtlCol="0" anchor="ctr">
+                <a:spAutoFit/>
+              </a:bodyPr>
+              <a:lstStyle/>
+              <a:p>
+                <a:pPr algn="ctr"/>
+                <a:r>
+                  <a:rPr lang="en-US" altLang="zh-CN" sz="2000" b="1" dirty="0">
+                    <a:latin typeface="Times New Roman" panose="02020603050405020304" pitchFamily="18" charset="0"/>
+                    <a:cs typeface="Times New Roman" panose="02020603050405020304" pitchFamily="18" charset="0"/>
+                  </a:rPr>
+                  <a:t>···</a:t>
+                </a:r>
+                <a:endParaRPr lang="zh-CN" altLang="en-US" sz="2000" b="1" dirty="0">
+                  <a:latin typeface="Times New Roman" panose="02020603050405020304" pitchFamily="18" charset="0"/>
+                  <a:cs typeface="Times New Roman" panose="02020603050405020304" pitchFamily="18" charset="0"/>
+                </a:endParaRPr>
+              </a:p>
+            </p:txBody>
+          </p:sp>
+        </p:grpSp>
+        <p:cxnSp>
+          <p:nvCxnSpPr>
+            <p:cNvPr id="44" name="直接箭头连接符 43">
+              <a:extLst>
+                <a:ext uri="{FF2B5EF4-FFF2-40B4-BE49-F238E27FC236}">
+                  <a16:creationId xmlns:a16="http://schemas.microsoft.com/office/drawing/2014/main" id="{73E55E21-8B6A-66F9-AA92-C0B30FEB2B55}"/>
+                </a:ext>
+              </a:extLst>
+            </p:cNvPr>
+            <p:cNvCxnSpPr>
+              <a:cxnSpLocks/>
+              <a:stCxn id="6" idx="2"/>
+              <a:endCxn id="42" idx="0"/>
+            </p:cNvCxnSpPr>
+            <p:nvPr/>
+          </p:nvCxnSpPr>
+          <p:spPr>
+            <a:xfrm>
+              <a:off x="2098228" y="4076700"/>
+              <a:ext cx="0" cy="392551"/>
+            </a:xfrm>
+            <a:prstGeom prst="straightConnector1">
+              <a:avLst/>
+            </a:prstGeom>
+            <a:ln w="15875">
+              <a:solidFill>
+                <a:schemeClr val="tx1"/>
+              </a:solidFill>
+              <a:tailEnd type="triangle" w="lg" len="lg"/>
+            </a:ln>
+          </p:spPr>
+          <p:style>
+            <a:lnRef idx="1">
+              <a:schemeClr val="accent1"/>
+            </a:lnRef>
+            <a:fillRef idx="0">
+              <a:schemeClr val="accent1"/>
+            </a:fillRef>
+            <a:effectRef idx="0">
+              <a:schemeClr val="accent1"/>
+            </a:effectRef>
+            <a:fontRef idx="minor">
+              <a:schemeClr val="tx1"/>
+            </a:fontRef>
+          </p:style>
+        </p:cxnSp>
+        <p:sp>
+          <p:nvSpPr>
+            <p:cNvPr id="48" name="矩形: 圆角 113">
+              <a:extLst>
+                <a:ext uri="{FF2B5EF4-FFF2-40B4-BE49-F238E27FC236}">
+                  <a16:creationId xmlns:a16="http://schemas.microsoft.com/office/drawing/2014/main" id="{C037C208-F301-67A1-4F17-4942068DE18A}"/>
+                </a:ext>
+              </a:extLst>
+            </p:cNvPr>
+            <p:cNvSpPr/>
+            <p:nvPr/>
+          </p:nvSpPr>
+          <p:spPr>
+            <a:xfrm>
+              <a:off x="902840" y="3490155"/>
+              <a:ext cx="2400296" cy="419669"/>
+            </a:xfrm>
+            <a:prstGeom prst="roundRect">
+              <a:avLst>
+                <a:gd name="adj" fmla="val 13839"/>
+              </a:avLst>
+            </a:prstGeom>
+            <a:solidFill>
+              <a:schemeClr val="accent5">
+                <a:lumMod val="20000"/>
+                <a:lumOff val="80000"/>
+              </a:schemeClr>
+            </a:solidFill>
+            <a:ln w="19050">
+              <a:solidFill>
+                <a:srgbClr val="C00000"/>
+              </a:solidFill>
+              <a:prstDash val="sysDash"/>
+            </a:ln>
+          </p:spPr>
+          <p:style>
+            <a:lnRef idx="2">
+              <a:schemeClr val="accent1">
+                <a:shade val="50000"/>
+              </a:schemeClr>
+            </a:lnRef>
+            <a:fillRef idx="1">
+              <a:schemeClr val="accent1"/>
+            </a:fillRef>
+            <a:effectRef idx="0">
+              <a:schemeClr val="accent1"/>
+            </a:effectRef>
+            <a:fontRef idx="minor">
+              <a:schemeClr val="lt1"/>
+            </a:fontRef>
+          </p:style>
+          <p:txBody>
+            <a:bodyPr rtlCol="0" anchor="ctr"/>
+            <a:lstStyle/>
+            <a:p>
+              <a:pPr algn="ctr"/>
+              <a:r>
+                <a:rPr lang="en-US" altLang="zh-CN" sz="1400" b="1" dirty="0" err="1">
+                  <a:solidFill>
+                    <a:schemeClr val="tx1"/>
+                  </a:solidFill>
+                  <a:latin typeface="Consolas" panose="020B0609020204030204" pitchFamily="49" charset="0"/>
+                  <a:cs typeface="Times New Roman" panose="02020603050405020304" pitchFamily="18" charset="0"/>
+                </a:rPr>
+                <a:t>LayerNorm</a:t>
+              </a:r>
+              <a:r>
+                <a:rPr lang="en-US" altLang="zh-CN" sz="1400" b="1" dirty="0">
+                  <a:solidFill>
+                    <a:schemeClr val="tx1"/>
+                  </a:solidFill>
+                  <a:latin typeface="Consolas" panose="020B0609020204030204" pitchFamily="49" charset="0"/>
+                  <a:cs typeface="Times New Roman" panose="02020603050405020304" pitchFamily="18" charset="0"/>
+                </a:rPr>
+                <a:t>(dim)</a:t>
+              </a:r>
+            </a:p>
+          </p:txBody>
+        </p:sp>
+        <p:sp>
+          <p:nvSpPr>
+            <p:cNvPr id="53" name="矩形: 圆角 52">
+              <a:extLst>
+                <a:ext uri="{FF2B5EF4-FFF2-40B4-BE49-F238E27FC236}">
+                  <a16:creationId xmlns:a16="http://schemas.microsoft.com/office/drawing/2014/main" id="{662233E9-E0E7-0483-DCA8-6A8F3F1CA235}"/>
+                </a:ext>
+              </a:extLst>
+            </p:cNvPr>
+            <p:cNvSpPr/>
+            <p:nvPr/>
+          </p:nvSpPr>
+          <p:spPr>
+            <a:xfrm>
+              <a:off x="131607" y="4272975"/>
+              <a:ext cx="411479" cy="746065"/>
+            </a:xfrm>
+            <a:prstGeom prst="roundRect">
+              <a:avLst>
+                <a:gd name="adj" fmla="val 50000"/>
+              </a:avLst>
+            </a:prstGeom>
+            <a:solidFill>
+              <a:schemeClr val="accent4">
+                <a:lumMod val="20000"/>
+                <a:lumOff val="80000"/>
+              </a:schemeClr>
+            </a:solidFill>
+            <a:ln w="15875">
+              <a:solidFill>
+                <a:srgbClr val="C00000"/>
+              </a:solidFill>
+              <a:prstDash val="sysDash"/>
+            </a:ln>
+            <a:effectLst>
+              <a:outerShdw blurRad="50800" dist="38100" dir="5400000" algn="t" rotWithShape="0">
+                <a:prstClr val="black">
+                  <a:alpha val="40000"/>
+                </a:prstClr>
+              </a:outerShdw>
+            </a:effectLst>
+          </p:spPr>
+          <p:style>
+            <a:lnRef idx="2">
+              <a:schemeClr val="accent1">
+                <a:shade val="50000"/>
+              </a:schemeClr>
+            </a:lnRef>
+            <a:fillRef idx="1">
+              <a:schemeClr val="accent1"/>
+            </a:fillRef>
+            <a:effectRef idx="0">
+              <a:schemeClr val="accent1"/>
+            </a:effectRef>
+            <a:fontRef idx="minor">
+              <a:schemeClr val="lt1"/>
+            </a:fontRef>
+          </p:style>
+          <p:txBody>
+            <a:bodyPr rtlCol="0" anchor="ctr"/>
+            <a:lstStyle/>
+            <a:p>
+              <a:pPr algn="ctr"/>
+              <a:r>
+                <a:rPr lang="en-US" altLang="zh-CN" b="1" dirty="0">
+                  <a:solidFill>
+                    <a:schemeClr val="tx1"/>
+                  </a:solidFill>
+                  <a:latin typeface="Times New Roman" panose="02020603050405020304" pitchFamily="18" charset="0"/>
+                  <a:cs typeface="Times New Roman" panose="02020603050405020304" pitchFamily="18" charset="0"/>
+                </a:rPr>
+                <a:t>*</a:t>
+              </a:r>
+              <a:endParaRPr lang="zh-CN" altLang="en-US" b="1" i="1" dirty="0">
+                <a:solidFill>
+                  <a:schemeClr val="tx1"/>
+                </a:solidFill>
+                <a:latin typeface="Times New Roman" panose="02020603050405020304" pitchFamily="18" charset="0"/>
+                <a:cs typeface="Times New Roman" panose="02020603050405020304" pitchFamily="18" charset="0"/>
+              </a:endParaRPr>
+            </a:p>
+          </p:txBody>
+        </p:sp>
+      </p:grpSp>
     </p:spTree>
     <p:extLst>
       <p:ext uri="{BB962C8B-B14F-4D97-AF65-F5344CB8AC3E}">
